--- a/小專_7.pptx
+++ b/小專_7.pptx
@@ -9,9 +9,12 @@
     <p:sldId id="258" r:id="rId3"/>
     <p:sldId id="259" r:id="rId4"/>
     <p:sldId id="262" r:id="rId5"/>
-    <p:sldId id="257" r:id="rId6"/>
-    <p:sldId id="260" r:id="rId7"/>
-    <p:sldId id="261" r:id="rId8"/>
+    <p:sldId id="265" r:id="rId6"/>
+    <p:sldId id="257" r:id="rId7"/>
+    <p:sldId id="260" r:id="rId8"/>
+    <p:sldId id="264" r:id="rId9"/>
+    <p:sldId id="261" r:id="rId10"/>
+    <p:sldId id="263" r:id="rId11"/>
   </p:sldIdLst>
   <p:sldSz cx="9144000" cy="6858000" type="screen4x3"/>
   <p:notesSz cx="6858000" cy="9144000"/>
@@ -358,7 +361,7 @@
           <a:p>
             <a:fld id="{5BBEAD13-0566-4C6C-97E7-55F17F24B09F}" type="datetimeFigureOut">
               <a:rPr lang="zh-TW" altLang="en-US" smtClean="0"/>
-              <a:t>2017/6/14</a:t>
+              <a:t>2017/6/15</a:t>
             </a:fld>
             <a:endParaRPr lang="zh-TW" altLang="en-US"/>
           </a:p>
@@ -523,7 +526,7 @@
           <a:p>
             <a:fld id="{5BBEAD13-0566-4C6C-97E7-55F17F24B09F}" type="datetimeFigureOut">
               <a:rPr lang="zh-TW" altLang="en-US" smtClean="0"/>
-              <a:t>2017/6/14</a:t>
+              <a:t>2017/6/15</a:t>
             </a:fld>
             <a:endParaRPr lang="zh-TW" altLang="en-US"/>
           </a:p>
@@ -762,7 +765,7 @@
           <a:p>
             <a:fld id="{5BBEAD13-0566-4C6C-97E7-55F17F24B09F}" type="datetimeFigureOut">
               <a:rPr lang="zh-TW" altLang="en-US" smtClean="0"/>
-              <a:t>2017/6/14</a:t>
+              <a:t>2017/6/15</a:t>
             </a:fld>
             <a:endParaRPr lang="zh-TW" altLang="en-US"/>
           </a:p>
@@ -996,7 +999,7 @@
           <a:p>
             <a:fld id="{5BBEAD13-0566-4C6C-97E7-55F17F24B09F}" type="datetimeFigureOut">
               <a:rPr lang="zh-TW" altLang="en-US" smtClean="0"/>
-              <a:t>2017/6/14</a:t>
+              <a:t>2017/6/15</a:t>
             </a:fld>
             <a:endParaRPr lang="zh-TW" altLang="en-US"/>
           </a:p>
@@ -1335,7 +1338,7 @@
           <a:p>
             <a:fld id="{5BBEAD13-0566-4C6C-97E7-55F17F24B09F}" type="datetimeFigureOut">
               <a:rPr lang="zh-TW" altLang="en-US" smtClean="0"/>
-              <a:t>2017/6/14</a:t>
+              <a:t>2017/6/15</a:t>
             </a:fld>
             <a:endParaRPr lang="zh-TW" altLang="en-US"/>
           </a:p>
@@ -1682,7 +1685,7 @@
           <a:p>
             <a:fld id="{5BBEAD13-0566-4C6C-97E7-55F17F24B09F}" type="datetimeFigureOut">
               <a:rPr lang="zh-TW" altLang="en-US" smtClean="0"/>
-              <a:t>2017/6/14</a:t>
+              <a:t>2017/6/15</a:t>
             </a:fld>
             <a:endParaRPr lang="zh-TW" altLang="en-US"/>
           </a:p>
@@ -2243,7 +2246,7 @@
           <a:p>
             <a:fld id="{5BBEAD13-0566-4C6C-97E7-55F17F24B09F}" type="datetimeFigureOut">
               <a:rPr lang="zh-TW" altLang="en-US" smtClean="0"/>
-              <a:t>2017/6/14</a:t>
+              <a:t>2017/6/15</a:t>
             </a:fld>
             <a:endParaRPr lang="zh-TW" altLang="en-US"/>
           </a:p>
@@ -2420,7 +2423,7 @@
           <a:p>
             <a:fld id="{5BBEAD13-0566-4C6C-97E7-55F17F24B09F}" type="datetimeFigureOut">
               <a:rPr lang="zh-TW" altLang="en-US" smtClean="0"/>
-              <a:t>2017/6/14</a:t>
+              <a:t>2017/6/15</a:t>
             </a:fld>
             <a:endParaRPr lang="zh-TW" altLang="en-US"/>
           </a:p>
@@ -2515,7 +2518,7 @@
           <a:p>
             <a:fld id="{5BBEAD13-0566-4C6C-97E7-55F17F24B09F}" type="datetimeFigureOut">
               <a:rPr lang="zh-TW" altLang="en-US" smtClean="0"/>
-              <a:t>2017/6/14</a:t>
+              <a:t>2017/6/15</a:t>
             </a:fld>
             <a:endParaRPr lang="zh-TW" altLang="en-US"/>
           </a:p>
@@ -2880,7 +2883,7 @@
           <a:p>
             <a:fld id="{5BBEAD13-0566-4C6C-97E7-55F17F24B09F}" type="datetimeFigureOut">
               <a:rPr lang="zh-TW" altLang="en-US" smtClean="0"/>
-              <a:t>2017/6/14</a:t>
+              <a:t>2017/6/15</a:t>
             </a:fld>
             <a:endParaRPr lang="zh-TW" altLang="en-US"/>
           </a:p>
@@ -3224,7 +3227,7 @@
           <a:p>
             <a:fld id="{5BBEAD13-0566-4C6C-97E7-55F17F24B09F}" type="datetimeFigureOut">
               <a:rPr lang="zh-TW" altLang="en-US" smtClean="0"/>
-              <a:t>2017/6/14</a:t>
+              <a:t>2017/6/15</a:t>
             </a:fld>
             <a:endParaRPr lang="zh-TW" altLang="en-US"/>
           </a:p>
@@ -3495,7 +3498,7 @@
           <a:p>
             <a:fld id="{5BBEAD13-0566-4C6C-97E7-55F17F24B09F}" type="datetimeFigureOut">
               <a:rPr lang="zh-TW" altLang="en-US" smtClean="0"/>
-              <a:t>2017/6/14</a:t>
+              <a:t>2017/6/15</a:t>
             </a:fld>
             <a:endParaRPr lang="zh-TW" altLang="en-US"/>
           </a:p>
@@ -4027,6 +4030,10 @@
               <a:t>MESA07</a:t>
             </a:r>
             <a:r>
+              <a:rPr lang="zh-TW" altLang="en-US" dirty="0" smtClean="0"/>
+              <a:t>小專題</a:t>
+            </a:r>
+            <a:r>
               <a:rPr lang="en-US" altLang="zh-TW" dirty="0"/>
               <a:t/>
             </a:r>
@@ -4035,7 +4042,7 @@
             </a:br>
             <a:r>
               <a:rPr lang="zh-TW" altLang="en-US" dirty="0" smtClean="0"/>
-              <a:t>小專題</a:t>
+              <a:t>投籃分布產生器</a:t>
             </a:r>
             <a:endParaRPr lang="zh-TW" altLang="en-US" dirty="0"/>
           </a:p>
@@ -4057,15 +4064,15 @@
           <a:lstStyle/>
           <a:p>
             <a:r>
-              <a:rPr lang="zh-TW" altLang="en-US" dirty="0" smtClean="0"/>
+              <a:rPr lang="zh-TW" altLang="en-US" b="1" dirty="0" smtClean="0"/>
               <a:t>蔡宗嶧</a:t>
             </a:r>
-            <a:endParaRPr lang="en-US" altLang="zh-TW" dirty="0" smtClean="0"/>
+            <a:endParaRPr lang="en-US" altLang="zh-TW" b="1" dirty="0" smtClean="0"/>
           </a:p>
           <a:p>
             <a:r>
               <a:rPr lang="en-US" altLang="zh-TW" dirty="0" smtClean="0"/>
-              <a:t>2017/6/14</a:t>
+              <a:t>2017/6/15</a:t>
             </a:r>
             <a:endParaRPr lang="zh-TW" altLang="en-US" dirty="0"/>
           </a:p>
@@ -4075,6 +4082,62 @@
     <p:extLst>
       <p:ext uri="{BB962C8B-B14F-4D97-AF65-F5344CB8AC3E}">
         <p14:creationId xmlns:p14="http://schemas.microsoft.com/office/powerpoint/2010/main" val="3375952328"/>
+      </p:ext>
+    </p:extLst>
+  </p:cSld>
+  <p:clrMapOvr>
+    <a:masterClrMapping/>
+  </p:clrMapOvr>
+  <p:timing>
+    <p:tnLst>
+      <p:par>
+        <p:cTn id="1" dur="indefinite" restart="never" nodeType="tmRoot"/>
+      </p:par>
+    </p:tnLst>
+  </p:timing>
+</p:sld>
+</file>
+
+<file path=ppt/slides/slide10.xml><?xml version="1.0" encoding="utf-8"?>
+<p:sld xmlns:a="http://schemas.openxmlformats.org/drawingml/2006/main" xmlns:r="http://schemas.openxmlformats.org/officeDocument/2006/relationships" xmlns:p="http://schemas.openxmlformats.org/presentationml/2006/main">
+  <p:cSld>
+    <p:spTree>
+      <p:nvGrpSpPr>
+        <p:cNvPr id="1" name=""/>
+        <p:cNvGrpSpPr/>
+        <p:nvPr/>
+      </p:nvGrpSpPr>
+      <p:grpSpPr>
+        <a:xfrm>
+          <a:off x="0" y="0"/>
+          <a:ext cx="0" cy="0"/>
+          <a:chOff x="0" y="0"/>
+          <a:chExt cx="0" cy="0"/>
+        </a:xfrm>
+      </p:grpSpPr>
+      <p:sp>
+        <p:nvSpPr>
+          <p:cNvPr id="2" name="標題 1"/>
+          <p:cNvSpPr>
+            <a:spLocks noGrp="1"/>
+          </p:cNvSpPr>
+          <p:nvPr>
+            <p:ph type="title"/>
+          </p:nvPr>
+        </p:nvSpPr>
+        <p:spPr/>
+        <p:txBody>
+          <a:bodyPr/>
+          <a:lstStyle/>
+          <a:p>
+            <a:endParaRPr lang="zh-TW" altLang="en-US"/>
+          </a:p>
+        </p:txBody>
+      </p:sp>
+    </p:spTree>
+    <p:extLst>
+      <p:ext uri="{BB962C8B-B14F-4D97-AF65-F5344CB8AC3E}">
+        <p14:creationId xmlns:p14="http://schemas.microsoft.com/office/powerpoint/2010/main" val="2468672413"/>
       </p:ext>
     </p:extLst>
   </p:cSld>
@@ -4163,7 +4226,22 @@
             </a:pPr>
             <a:r>
               <a:rPr lang="zh-TW" altLang="en-US" dirty="0" smtClean="0"/>
-              <a:t>程式語言及工具</a:t>
+              <a:t>程式語言及</a:t>
+            </a:r>
+            <a:r>
+              <a:rPr lang="zh-TW" altLang="en-US" dirty="0" smtClean="0"/>
+              <a:t>工具</a:t>
+            </a:r>
+            <a:endParaRPr lang="en-US" altLang="zh-TW" dirty="0" smtClean="0"/>
+          </a:p>
+          <a:p>
+            <a:pPr marL="514350" indent="-514350">
+              <a:buFont typeface="+mj-lt"/>
+              <a:buAutoNum type="arabicPeriod"/>
+            </a:pPr>
+            <a:r>
+              <a:rPr lang="zh-TW" altLang="en-US" dirty="0"/>
+              <a:t>設計邏輯</a:t>
             </a:r>
             <a:endParaRPr lang="en-US" altLang="zh-TW" dirty="0" smtClean="0"/>
           </a:p>
@@ -4786,58 +4864,125 @@
           </a:extLst>
         </p:spPr>
       </p:pic>
-      <p:pic>
-        <p:nvPicPr>
-          <p:cNvPr id="2050" name="Picture 2"/>
-          <p:cNvPicPr>
-            <a:picLocks noChangeAspect="1" noChangeArrowheads="1"/>
-          </p:cNvPicPr>
+      <p:grpSp>
+        <p:nvGrpSpPr>
+          <p:cNvPr id="3" name="群組 2"/>
+          <p:cNvGrpSpPr/>
           <p:nvPr/>
-        </p:nvPicPr>
-        <p:blipFill rotWithShape="1">
-          <a:blip r:embed="rId5">
+        </p:nvGrpSpPr>
+        <p:grpSpPr>
+          <a:xfrm>
+            <a:off x="179512" y="1033571"/>
+            <a:ext cx="8856984" cy="4968679"/>
+            <a:chOff x="179512" y="1033571"/>
+            <a:chExt cx="8856984" cy="4968679"/>
+          </a:xfrm>
+        </p:grpSpPr>
+        <p:pic>
+          <p:nvPicPr>
+            <p:cNvPr id="2050" name="Picture 2"/>
+            <p:cNvPicPr>
+              <a:picLocks noChangeAspect="1" noChangeArrowheads="1"/>
+            </p:cNvPicPr>
+            <p:nvPr/>
+          </p:nvPicPr>
+          <p:blipFill rotWithShape="1">
+            <a:blip r:embed="rId5">
+              <a:extLst>
+                <a:ext uri="{28A0092B-C50C-407E-A947-70E740481C1C}">
+                  <a14:useLocalDpi xmlns:a14="http://schemas.microsoft.com/office/drawing/2010/main" val="0"/>
+                </a:ext>
+              </a:extLst>
+            </a:blip>
+            <a:srcRect l="10358" t="11515" r="11342" b="18618"/>
+            <a:stretch/>
+          </p:blipFill>
+          <p:spPr bwMode="auto">
+            <a:xfrm>
+              <a:off x="179512" y="1556791"/>
+              <a:ext cx="8856984" cy="4445459"/>
+            </a:xfrm>
+            <a:prstGeom prst="rect">
+              <a:avLst/>
+            </a:prstGeom>
+            <a:noFill/>
+            <a:ln>
+              <a:noFill/>
+            </a:ln>
             <a:extLst>
-              <a:ext uri="{28A0092B-C50C-407E-A947-70E740481C1C}">
-                <a14:useLocalDpi xmlns:a14="http://schemas.microsoft.com/office/drawing/2010/main" val="0"/>
+              <a:ext uri="{909E8E84-426E-40DD-AFC4-6F175D3DCCD1}">
+                <a14:hiddenFill xmlns:a14="http://schemas.microsoft.com/office/drawing/2010/main">
+                  <a:solidFill>
+                    <a:schemeClr val="accent1"/>
+                  </a:solidFill>
+                </a14:hiddenFill>
+              </a:ext>
+              <a:ext uri="{91240B29-F687-4F45-9708-019B960494DF}">
+                <a14:hiddenLine xmlns:a14="http://schemas.microsoft.com/office/drawing/2010/main" w="9525">
+                  <a:solidFill>
+                    <a:schemeClr val="tx1"/>
+                  </a:solidFill>
+                  <a:miter lim="800000"/>
+                  <a:headEnd/>
+                  <a:tailEnd/>
+                </a14:hiddenLine>
               </a:ext>
             </a:extLst>
-          </a:blip>
-          <a:srcRect l="10358" t="11515" r="11342" b="18618"/>
-          <a:stretch/>
-        </p:blipFill>
-        <p:spPr bwMode="auto">
-          <a:xfrm>
-            <a:off x="107504" y="1196752"/>
-            <a:ext cx="8856984" cy="4445459"/>
-          </a:xfrm>
-          <a:prstGeom prst="rect">
-            <a:avLst/>
-          </a:prstGeom>
-          <a:noFill/>
-          <a:ln>
-            <a:noFill/>
-          </a:ln>
-          <a:extLst>
-            <a:ext uri="{909E8E84-426E-40DD-AFC4-6F175D3DCCD1}">
-              <a14:hiddenFill xmlns:a14="http://schemas.microsoft.com/office/drawing/2010/main">
+          </p:spPr>
+        </p:pic>
+        <p:sp>
+          <p:nvSpPr>
+            <p:cNvPr id="7" name="文字方塊 6"/>
+            <p:cNvSpPr txBox="1"/>
+            <p:nvPr/>
+          </p:nvSpPr>
+          <p:spPr>
+            <a:xfrm>
+              <a:off x="2915816" y="1033571"/>
+              <a:ext cx="3240360" cy="523220"/>
+            </a:xfrm>
+            <a:prstGeom prst="rect">
+              <a:avLst/>
+            </a:prstGeom>
+            <a:solidFill>
+              <a:schemeClr val="tx2">
+                <a:lumMod val="50000"/>
+                <a:lumOff val="50000"/>
+              </a:schemeClr>
+            </a:solidFill>
+          </p:spPr>
+          <p:txBody>
+            <a:bodyPr wrap="square" rtlCol="0">
+              <a:spAutoFit/>
+            </a:bodyPr>
+            <a:lstStyle/>
+            <a:p>
+              <a:pPr algn="ctr"/>
+              <a:r>
+                <a:rPr lang="zh-TW" altLang="en-US" sz="2800" b="1" dirty="0">
+                  <a:solidFill>
+                    <a:srgbClr val="FF0000"/>
+                  </a:solidFill>
+                </a:rPr>
+                <a:t>投籃分布</a:t>
+              </a:r>
+              <a:r>
+                <a:rPr lang="zh-TW" altLang="en-US" sz="2800" b="1" dirty="0" smtClean="0">
+                  <a:solidFill>
+                    <a:srgbClr val="FF0000"/>
+                  </a:solidFill>
+                </a:rPr>
+                <a:t>產生器</a:t>
+              </a:r>
+              <a:endParaRPr lang="zh-TW" altLang="en-US" sz="2800" b="1" dirty="0">
                 <a:solidFill>
-                  <a:schemeClr val="accent1"/>
+                  <a:srgbClr val="FF0000"/>
                 </a:solidFill>
-              </a14:hiddenFill>
-            </a:ext>
-            <a:ext uri="{91240B29-F687-4F45-9708-019B960494DF}">
-              <a14:hiddenLine xmlns:a14="http://schemas.microsoft.com/office/drawing/2010/main" w="9525">
-                <a:solidFill>
-                  <a:schemeClr val="tx1"/>
-                </a:solidFill>
-                <a:miter lim="800000"/>
-                <a:headEnd/>
-                <a:tailEnd/>
-              </a14:hiddenLine>
-            </a:ext>
-          </a:extLst>
-        </p:spPr>
-      </p:pic>
+              </a:endParaRPr>
+            </a:p>
+          </p:txBody>
+        </p:sp>
+      </p:grpSp>
     </p:spTree>
     <p:extLst>
       <p:ext uri="{BB962C8B-B14F-4D97-AF65-F5344CB8AC3E}">
@@ -5041,7 +5186,7 @@
                                           </p:stCondLst>
                                         </p:cTn>
                                         <p:tgtEl>
-                                          <p:spTgt spid="2050"/>
+                                          <p:spTgt spid="3"/>
                                         </p:tgtEl>
                                         <p:attrNameLst>
                                           <p:attrName>style.visibility</p:attrName>
@@ -5055,7 +5200,7 @@
                                       <p:cBhvr>
                                         <p:cTn id="22" dur="1000"/>
                                         <p:tgtEl>
-                                          <p:spTgt spid="2050"/>
+                                          <p:spTgt spid="3"/>
                                         </p:tgtEl>
                                       </p:cBhvr>
                                     </p:animEffect>
@@ -5063,7 +5208,7 @@
                                       <p:cBhvr>
                                         <p:cTn id="23" dur="1000" fill="hold"/>
                                         <p:tgtEl>
-                                          <p:spTgt spid="2050"/>
+                                          <p:spTgt spid="3"/>
                                         </p:tgtEl>
                                         <p:attrNameLst>
                                           <p:attrName>ppt_x</p:attrName>
@@ -5086,7 +5231,7 @@
                                       <p:cBhvr>
                                         <p:cTn id="24" dur="1000" fill="hold"/>
                                         <p:tgtEl>
-                                          <p:spTgt spid="2050"/>
+                                          <p:spTgt spid="3"/>
                                         </p:tgtEl>
                                         <p:attrNameLst>
                                           <p:attrName>ppt_y</p:attrName>
@@ -5172,12 +5317,8 @@
           <a:lstStyle/>
           <a:p>
             <a:r>
-              <a:rPr lang="en-US" altLang="zh-TW" dirty="0" smtClean="0"/>
-              <a:t>2.</a:t>
-            </a:r>
-            <a:r>
               <a:rPr lang="zh-TW" altLang="en-US" dirty="0" smtClean="0"/>
-              <a:t>程式語言及工具</a:t>
+              <a:t>設計邏輯</a:t>
             </a:r>
             <a:endParaRPr lang="zh-TW" altLang="en-US" dirty="0"/>
           </a:p>
@@ -5195,174 +5336,149 @@
         </p:nvSpPr>
         <p:spPr/>
         <p:txBody>
-          <a:bodyPr>
-            <a:normAutofit fontScale="85000" lnSpcReduction="20000"/>
-          </a:bodyPr>
-          <a:lstStyle/>
-          <a:p>
-            <a:pPr marL="971550" lvl="1" indent="-514350">
+          <a:bodyPr/>
+          <a:lstStyle/>
+          <a:p>
+            <a:pPr marL="514350" indent="-514350">
               <a:buFont typeface="+mj-lt"/>
               <a:buAutoNum type="arabicPeriod"/>
             </a:pPr>
             <a:r>
+              <a:rPr lang="zh-TW" altLang="en-US" dirty="0" smtClean="0"/>
+              <a:t>創建</a:t>
+            </a:r>
+            <a:r>
               <a:rPr lang="en-US" altLang="zh-TW" dirty="0" smtClean="0"/>
-              <a:t>HTML</a:t>
-            </a:r>
-          </a:p>
-          <a:p>
-            <a:pPr marL="1371600" lvl="2" indent="-514350">
+              <a:t>GAME----</a:t>
+            </a:r>
+            <a:r>
+              <a:rPr lang="zh-TW" altLang="en-US" dirty="0" smtClean="0"/>
+              <a:t>取得</a:t>
+            </a:r>
+            <a:r>
+              <a:rPr lang="en-US" altLang="zh-TW" dirty="0" err="1" smtClean="0"/>
+              <a:t>gameid</a:t>
+            </a:r>
+            <a:endParaRPr lang="en-US" altLang="zh-TW" dirty="0" smtClean="0"/>
+          </a:p>
+          <a:p>
+            <a:pPr marL="514350" indent="-514350">
+              <a:buFont typeface="+mj-lt"/>
+              <a:buAutoNum type="arabicPeriod"/>
+            </a:pPr>
+            <a:r>
+              <a:rPr lang="zh-TW" altLang="en-US" dirty="0" smtClean="0"/>
+              <a:t>創建</a:t>
+            </a:r>
+            <a:r>
+              <a:rPr lang="en-US" altLang="zh-TW" dirty="0" smtClean="0"/>
+              <a:t>Player-----</a:t>
+            </a:r>
+            <a:r>
+              <a:rPr lang="zh-TW" altLang="en-US" dirty="0" smtClean="0"/>
+              <a:t>取得</a:t>
+            </a:r>
+            <a:r>
+              <a:rPr lang="en-US" altLang="zh-TW" dirty="0" err="1" smtClean="0"/>
+              <a:t>playernumber</a:t>
+            </a:r>
+            <a:endParaRPr lang="en-US" altLang="zh-TW" dirty="0" smtClean="0"/>
+          </a:p>
+          <a:p>
+            <a:pPr marL="514350" indent="-514350">
+              <a:buFont typeface="+mj-lt"/>
+              <a:buAutoNum type="arabicPeriod"/>
+            </a:pPr>
+            <a:r>
+              <a:rPr lang="zh-TW" altLang="en-US" dirty="0" smtClean="0"/>
+              <a:t>判斷</a:t>
+            </a:r>
+            <a:r>
+              <a:rPr lang="en-US" altLang="zh-TW" dirty="0" smtClean="0"/>
+              <a:t>Game</a:t>
+            </a:r>
+            <a:r>
+              <a:rPr lang="zh-TW" altLang="en-US" dirty="0" smtClean="0"/>
+              <a:t>及</a:t>
+            </a:r>
+            <a:r>
+              <a:rPr lang="en-US" altLang="zh-TW" dirty="0" smtClean="0"/>
+              <a:t>Player</a:t>
+            </a:r>
+          </a:p>
+          <a:p>
+            <a:pPr marL="514350" indent="-514350">
+              <a:buFont typeface="+mj-lt"/>
+              <a:buAutoNum type="arabicPeriod"/>
+            </a:pPr>
+            <a:r>
+              <a:rPr lang="zh-TW" altLang="en-US" dirty="0" smtClean="0"/>
+              <a:t>依據選擇之球員取得滑鼠點擊</a:t>
+            </a:r>
+            <a:r>
+              <a:rPr lang="en-US" altLang="zh-TW" dirty="0" smtClean="0"/>
+              <a:t>x</a:t>
+            </a:r>
+            <a:r>
+              <a:rPr lang="zh-TW" altLang="en-US" dirty="0" smtClean="0"/>
+              <a:t>、</a:t>
+            </a:r>
+            <a:r>
+              <a:rPr lang="en-US" altLang="zh-TW" dirty="0" smtClean="0"/>
+              <a:t>y</a:t>
+            </a:r>
+            <a:r>
+              <a:rPr lang="zh-TW" altLang="en-US" dirty="0" smtClean="0"/>
+              <a:t>資料</a:t>
+            </a:r>
+            <a:endParaRPr lang="en-US" altLang="zh-TW" dirty="0" smtClean="0"/>
+          </a:p>
+          <a:p>
+            <a:pPr marL="971550" lvl="1" indent="-514350">
               <a:buFont typeface="+mj-lt"/>
               <a:buAutoNum type="arabicParenR"/>
             </a:pPr>
             <a:r>
+              <a:rPr lang="zh-TW" altLang="en-US" dirty="0" smtClean="0"/>
+              <a:t>判斷為單擊或雙擊事件</a:t>
+            </a:r>
+            <a:r>
               <a:rPr lang="en-US" altLang="zh-TW" dirty="0" smtClean="0"/>
-              <a:t>SVG</a:t>
+              <a:t>(</a:t>
             </a:r>
             <a:r>
               <a:rPr lang="zh-TW" altLang="en-US" dirty="0" smtClean="0"/>
-              <a:t>畫圖</a:t>
+              <a:t>投進或沒投進</a:t>
+            </a:r>
+            <a:r>
+              <a:rPr lang="en-US" altLang="zh-TW" dirty="0" smtClean="0"/>
+              <a:t>)</a:t>
+            </a:r>
+          </a:p>
+          <a:p>
+            <a:pPr marL="971550" lvl="1" indent="-514350">
+              <a:buFont typeface="+mj-lt"/>
+              <a:buAutoNum type="arabicParenR"/>
+            </a:pPr>
+            <a:r>
+              <a:rPr lang="zh-TW" altLang="en-US" dirty="0" smtClean="0"/>
+              <a:t>即時繪製並匯入資料庫</a:t>
             </a:r>
             <a:endParaRPr lang="en-US" altLang="zh-TW" dirty="0" smtClean="0"/>
           </a:p>
           <a:p>
-            <a:pPr marL="971550" lvl="1" indent="-514350">
+            <a:pPr marL="514350" indent="-514350">
               <a:buFont typeface="+mj-lt"/>
               <a:buAutoNum type="arabicPeriod"/>
             </a:pPr>
             <a:r>
-              <a:rPr lang="en-US" altLang="zh-TW" dirty="0" smtClean="0"/>
-              <a:t>CSS</a:t>
-            </a:r>
-          </a:p>
-          <a:p>
-            <a:pPr marL="971550" lvl="1" indent="-514350">
-              <a:buFont typeface="+mj-lt"/>
-              <a:buAutoNum type="arabicPeriod"/>
-            </a:pPr>
-            <a:r>
-              <a:rPr lang="en-US" altLang="zh-TW" dirty="0" err="1" smtClean="0"/>
-              <a:t>Jquery</a:t>
-            </a:r>
-            <a:endParaRPr lang="en-US" altLang="zh-TW" dirty="0" smtClean="0"/>
-          </a:p>
-          <a:p>
-            <a:pPr marL="971550" lvl="1" indent="-514350">
-              <a:buFont typeface="+mj-lt"/>
-              <a:buAutoNum type="arabicPeriod"/>
-            </a:pPr>
-            <a:r>
-              <a:rPr lang="en-US" altLang="zh-TW" dirty="0" err="1" smtClean="0"/>
-              <a:t>Javascript</a:t>
-            </a:r>
-            <a:endParaRPr lang="en-US" altLang="zh-TW" dirty="0" smtClean="0"/>
-          </a:p>
-          <a:p>
-            <a:pPr marL="1371600" lvl="2" indent="-514350">
-              <a:buFont typeface="+mj-lt"/>
-              <a:buAutoNum type="arabicPeriod"/>
-            </a:pPr>
-            <a:r>
-              <a:rPr lang="en-US" altLang="zh-TW" dirty="0" err="1" smtClean="0"/>
-              <a:t>Click,dblclick</a:t>
-            </a:r>
-            <a:endParaRPr lang="en-US" altLang="zh-TW" dirty="0" smtClean="0"/>
-          </a:p>
-          <a:p>
-            <a:pPr marL="1371600" lvl="2" indent="-514350">
-              <a:buFont typeface="+mj-lt"/>
-              <a:buAutoNum type="arabicPeriod"/>
-            </a:pPr>
-            <a:r>
-              <a:rPr lang="en-US" altLang="zh-TW" dirty="0" smtClean="0"/>
-              <a:t>Change</a:t>
-            </a:r>
-          </a:p>
-          <a:p>
-            <a:pPr marL="1371600" lvl="2" indent="-514350">
-              <a:buFont typeface="+mj-lt"/>
-              <a:buAutoNum type="arabicPeriod"/>
-            </a:pPr>
-            <a:r>
-              <a:rPr lang="en-US" altLang="zh-TW" dirty="0" smtClean="0"/>
-              <a:t>append</a:t>
-            </a:r>
-          </a:p>
-          <a:p>
-            <a:pPr marL="971550" lvl="1" indent="-514350">
-              <a:buFont typeface="+mj-lt"/>
-              <a:buAutoNum type="arabicPeriod"/>
-            </a:pPr>
-            <a:r>
-              <a:rPr lang="en-US" altLang="zh-TW" dirty="0" err="1" smtClean="0"/>
-              <a:t>Boostrap</a:t>
-            </a:r>
-            <a:endParaRPr lang="en-US" altLang="zh-TW" dirty="0" smtClean="0"/>
-          </a:p>
-          <a:p>
-            <a:pPr marL="971550" lvl="1" indent="-514350">
-              <a:buFont typeface="+mj-lt"/>
-              <a:buAutoNum type="arabicPeriod"/>
-            </a:pPr>
-            <a:r>
-              <a:rPr lang="en-US" altLang="zh-TW" dirty="0" smtClean="0"/>
-              <a:t>Template</a:t>
-            </a:r>
-            <a:endParaRPr lang="en-US" altLang="zh-TW" dirty="0" smtClean="0"/>
-          </a:p>
-          <a:p>
-            <a:pPr marL="971550" lvl="1" indent="-514350">
-              <a:buFont typeface="+mj-lt"/>
-              <a:buAutoNum type="arabicPeriod"/>
-            </a:pPr>
-            <a:r>
-              <a:rPr lang="en-US" altLang="zh-TW" dirty="0" err="1" smtClean="0"/>
-              <a:t>Php</a:t>
-            </a:r>
-            <a:endParaRPr lang="en-US" altLang="zh-TW" dirty="0" smtClean="0"/>
-          </a:p>
-          <a:p>
-            <a:pPr marL="1371600" lvl="2" indent="-514350">
-              <a:buFont typeface="+mj-lt"/>
-              <a:buAutoNum type="arabicPeriod"/>
-            </a:pPr>
-            <a:r>
-              <a:rPr lang="en-US" altLang="zh-TW" dirty="0" smtClean="0"/>
-              <a:t>S</a:t>
-            </a:r>
-            <a:r>
-              <a:rPr lang="en-US" altLang="zh-TW" dirty="0" smtClean="0"/>
-              <a:t>ession</a:t>
+              <a:rPr lang="zh-TW" altLang="en-US" dirty="0"/>
+              <a:t>選取</a:t>
             </a:r>
             <a:r>
               <a:rPr lang="zh-TW" altLang="en-US" dirty="0" smtClean="0"/>
-              <a:t>、</a:t>
-            </a:r>
-            <a:r>
-              <a:rPr lang="en-US" altLang="zh-TW" dirty="0"/>
-              <a:t>PDO-&gt;</a:t>
-            </a:r>
-            <a:r>
-              <a:rPr lang="en-US" altLang="zh-TW" dirty="0" err="1" smtClean="0"/>
-              <a:t>Insert,update,select</a:t>
-            </a:r>
-            <a:endParaRPr lang="en-US" altLang="zh-TW" dirty="0" smtClean="0"/>
-          </a:p>
-          <a:p>
-            <a:pPr marL="971550" lvl="1" indent="-514350">
-              <a:buFont typeface="+mj-lt"/>
-              <a:buAutoNum type="arabicPeriod"/>
-            </a:pPr>
-            <a:r>
-              <a:rPr lang="en-US" altLang="zh-TW" dirty="0" err="1" smtClean="0"/>
-              <a:t>Mysql</a:t>
-            </a:r>
-            <a:endParaRPr lang="en-US" altLang="zh-TW" dirty="0" smtClean="0"/>
-          </a:p>
-          <a:p>
-            <a:pPr>
-              <a:buFont typeface="Wingdings" panose="05000000000000000000" pitchFamily="2" charset="2"/>
-              <a:buChar char="Ø"/>
-            </a:pPr>
+              <a:t>球員抓取資料庫內投籃資料</a:t>
+            </a:r>
             <a:endParaRPr lang="zh-TW" altLang="en-US" dirty="0"/>
           </a:p>
         </p:txBody>
@@ -5370,7 +5486,7 @@
     </p:spTree>
     <p:extLst>
       <p:ext uri="{BB962C8B-B14F-4D97-AF65-F5344CB8AC3E}">
-        <p14:creationId xmlns:p14="http://schemas.microsoft.com/office/powerpoint/2010/main" val="4278138985"/>
+        <p14:creationId xmlns:p14="http://schemas.microsoft.com/office/powerpoint/2010/main" val="399279849"/>
       </p:ext>
     </p:extLst>
   </p:cSld>
@@ -5421,11 +5537,11 @@
           <a:p>
             <a:r>
               <a:rPr lang="en-US" altLang="zh-TW" dirty="0" smtClean="0"/>
-              <a:t>3.</a:t>
+              <a:t>2.</a:t>
             </a:r>
             <a:r>
               <a:rPr lang="zh-TW" altLang="en-US" dirty="0" smtClean="0"/>
-              <a:t>困難</a:t>
+              <a:t>程式語言及工具</a:t>
             </a:r>
             <a:endParaRPr lang="zh-TW" altLang="en-US" dirty="0"/>
           </a:p>
@@ -5444,186 +5560,192 @@
         <p:spPr/>
         <p:txBody>
           <a:bodyPr>
-            <a:normAutofit lnSpcReduction="10000"/>
+            <a:normAutofit fontScale="77500" lnSpcReduction="20000"/>
           </a:bodyPr>
           <a:lstStyle/>
           <a:p>
-            <a:pPr marL="514350" indent="-514350">
+            <a:pPr marL="971550" lvl="1" indent="-514350">
               <a:buFont typeface="+mj-lt"/>
               <a:buAutoNum type="arabicPeriod"/>
             </a:pPr>
             <a:r>
+              <a:rPr lang="en-US" altLang="zh-TW" dirty="0" smtClean="0"/>
+              <a:t>HTML</a:t>
+            </a:r>
+          </a:p>
+          <a:p>
+            <a:pPr marL="1371600" lvl="2" indent="-514350">
+              <a:buFont typeface="+mj-lt"/>
+              <a:buAutoNum type="arabicParenR"/>
+            </a:pPr>
+            <a:r>
+              <a:rPr lang="en-US" altLang="zh-TW" dirty="0" smtClean="0"/>
+              <a:t>SVG</a:t>
+            </a:r>
+            <a:r>
               <a:rPr lang="zh-TW" altLang="en-US" dirty="0" smtClean="0"/>
-              <a:t>傳遞參數不換頁</a:t>
-            </a:r>
-            <a:r>
-              <a:rPr lang="en-US" altLang="zh-TW" dirty="0" smtClean="0"/>
-              <a:t>(AJAX)</a:t>
-            </a:r>
-          </a:p>
-          <a:p>
-            <a:pPr marL="514350" indent="-514350">
+              <a:t>畫圖</a:t>
+            </a:r>
+            <a:endParaRPr lang="en-US" altLang="zh-TW" dirty="0" smtClean="0"/>
+          </a:p>
+          <a:p>
+            <a:pPr marL="971550" lvl="1" indent="-514350">
               <a:buFont typeface="+mj-lt"/>
               <a:buAutoNum type="arabicPeriod"/>
             </a:pPr>
             <a:r>
-              <a:rPr lang="zh-TW" altLang="en-US" dirty="0" smtClean="0"/>
-              <a:t>參數為矩陣</a:t>
-            </a:r>
-            <a:r>
               <a:rPr lang="en-US" altLang="zh-TW" dirty="0" smtClean="0"/>
-              <a:t>(</a:t>
-            </a:r>
-            <a:r>
-              <a:rPr lang="en-US" altLang="zh-TW" dirty="0" err="1" smtClean="0"/>
-              <a:t>ex:name</a:t>
-            </a:r>
-            <a:r>
-              <a:rPr lang="en-US" altLang="zh-TW" dirty="0" smtClean="0"/>
-              <a:t>[</a:t>
-            </a:r>
-            <a:r>
-              <a:rPr lang="zh-TW" altLang="en-US" dirty="0" smtClean="0"/>
-              <a:t> </a:t>
-            </a:r>
-            <a:r>
-              <a:rPr lang="en-US" altLang="zh-TW" dirty="0" smtClean="0"/>
-              <a:t>])</a:t>
-            </a:r>
-            <a:r>
-              <a:rPr lang="zh-TW" altLang="en-US" dirty="0" smtClean="0"/>
-              <a:t>，如何拆解並匯入資料庫</a:t>
-            </a:r>
-            <a:endParaRPr lang="en-US" altLang="zh-TW" dirty="0" smtClean="0"/>
-          </a:p>
-          <a:p>
-            <a:pPr marL="914400" lvl="1" indent="-514350">
+              <a:t>CSS</a:t>
+            </a:r>
+          </a:p>
+          <a:p>
+            <a:pPr marL="971550" lvl="1" indent="-514350">
               <a:buFont typeface="+mj-lt"/>
               <a:buAutoNum type="arabicPeriod"/>
             </a:pPr>
             <a:r>
-              <a:rPr lang="zh-TW" altLang="en-US" dirty="0"/>
-              <a:t>一人填很多</a:t>
-            </a:r>
-            <a:r>
-              <a:rPr lang="zh-TW" altLang="en-US" dirty="0" smtClean="0"/>
-              <a:t>筆資料</a:t>
-            </a:r>
-            <a:r>
               <a:rPr lang="en-US" altLang="zh-TW" dirty="0" smtClean="0"/>
-              <a:t>(Brad</a:t>
-            </a:r>
-            <a:r>
-              <a:rPr lang="zh-TW" altLang="en-US" dirty="0" smtClean="0"/>
-              <a:t>姓名、住址、生日</a:t>
-            </a:r>
-            <a:r>
-              <a:rPr lang="en-US" altLang="zh-TW" dirty="0" smtClean="0"/>
-              <a:t>….)</a:t>
-            </a:r>
-            <a:r>
-              <a:rPr lang="zh-TW" altLang="en-US" dirty="0" smtClean="0"/>
-              <a:t>一次匯入資料庫</a:t>
-            </a:r>
-            <a:r>
-              <a:rPr lang="en-US" altLang="zh-TW" dirty="0" smtClean="0"/>
-              <a:t>---EASY</a:t>
-            </a:r>
-          </a:p>
-          <a:p>
-            <a:pPr marL="914400" lvl="1" indent="-514350">
+              <a:t>jQuery</a:t>
+            </a:r>
+            <a:endParaRPr lang="en-US" altLang="zh-TW" dirty="0" smtClean="0"/>
+          </a:p>
+          <a:p>
+            <a:pPr marL="971550" lvl="1" indent="-514350">
               <a:buFont typeface="+mj-lt"/>
               <a:buAutoNum type="arabicPeriod"/>
             </a:pPr>
             <a:r>
-              <a:rPr lang="zh-TW" altLang="en-US" dirty="0"/>
-              <a:t>很多人</a:t>
-            </a:r>
-            <a:r>
-              <a:rPr lang="zh-TW" altLang="en-US" dirty="0" smtClean="0"/>
-              <a:t>填很多筆資料</a:t>
-            </a:r>
-            <a:r>
               <a:rPr lang="en-US" altLang="zh-TW" dirty="0" smtClean="0"/>
-              <a:t>(Brad</a:t>
-            </a:r>
-            <a:r>
-              <a:rPr lang="zh-TW" altLang="en-US" dirty="0" smtClean="0"/>
-              <a:t>、</a:t>
-            </a:r>
-            <a:r>
-              <a:rPr lang="en-US" altLang="zh-TW" dirty="0" smtClean="0"/>
-              <a:t>Seven</a:t>
-            </a:r>
-            <a:r>
-              <a:rPr lang="zh-TW" altLang="en-US" dirty="0" smtClean="0"/>
-              <a:t>在同一份表單上填姓名、住址</a:t>
-            </a:r>
-            <a:r>
-              <a:rPr lang="en-US" altLang="zh-TW" dirty="0" smtClean="0"/>
-              <a:t>…)</a:t>
-            </a:r>
-            <a:r>
-              <a:rPr lang="zh-TW" altLang="en-US" dirty="0" smtClean="0"/>
-              <a:t>一次性</a:t>
-            </a:r>
-            <a:r>
-              <a:rPr lang="en-US" altLang="zh-TW" dirty="0" smtClean="0"/>
-              <a:t>submit</a:t>
-            </a:r>
-            <a:r>
-              <a:rPr lang="zh-TW" altLang="en-US" dirty="0" smtClean="0"/>
-              <a:t>並匯入資料庫</a:t>
-            </a:r>
-            <a:r>
-              <a:rPr lang="en-US" altLang="zh-TW" dirty="0" smtClean="0"/>
-              <a:t>----HARD</a:t>
-            </a:r>
-          </a:p>
-          <a:p>
-            <a:pPr marL="514350" indent="-514350">
+              <a:t>JavaScript</a:t>
+            </a:r>
+            <a:endParaRPr lang="en-US" altLang="zh-TW" dirty="0" smtClean="0"/>
+          </a:p>
+          <a:p>
+            <a:pPr marL="1371600" lvl="2" indent="-514350">
               <a:buFont typeface="+mj-lt"/>
               <a:buAutoNum type="arabicPeriod"/>
             </a:pPr>
             <a:r>
-              <a:rPr lang="en-US" altLang="zh-TW" dirty="0" smtClean="0"/>
-              <a:t>SVG(</a:t>
-            </a:r>
-            <a:r>
-              <a:rPr lang="zh-TW" altLang="en-US" dirty="0" smtClean="0"/>
-              <a:t>類似</a:t>
-            </a:r>
-            <a:r>
-              <a:rPr lang="en-US" altLang="zh-TW" dirty="0" smtClean="0"/>
-              <a:t>CANVAS)</a:t>
-            </a:r>
-            <a:r>
-              <a:rPr lang="zh-TW" altLang="en-US" dirty="0" smtClean="0"/>
-              <a:t>如何透過點擊螢幕取得</a:t>
-            </a:r>
-            <a:r>
-              <a:rPr lang="en-US" altLang="zh-TW" dirty="0" smtClean="0"/>
-              <a:t>x</a:t>
-            </a:r>
-            <a:r>
-              <a:rPr lang="zh-TW" altLang="en-US" dirty="0" smtClean="0"/>
-              <a:t>、</a:t>
-            </a:r>
-            <a:r>
-              <a:rPr lang="en-US" altLang="zh-TW" dirty="0" smtClean="0"/>
-              <a:t>y</a:t>
-            </a:r>
-            <a:r>
-              <a:rPr lang="zh-TW" altLang="en-US" dirty="0" smtClean="0"/>
-              <a:t>並繪製</a:t>
+              <a:rPr lang="en-US" altLang="zh-TW" dirty="0" err="1" smtClean="0"/>
+              <a:t>click,dblclick</a:t>
             </a:r>
             <a:endParaRPr lang="en-US" altLang="zh-TW" dirty="0" smtClean="0"/>
           </a:p>
           <a:p>
-            <a:pPr marL="514350" indent="-514350">
+            <a:pPr marL="1371600" lvl="2" indent="-514350">
               <a:buFont typeface="+mj-lt"/>
               <a:buAutoNum type="arabicPeriod"/>
             </a:pPr>
+            <a:r>
+              <a:rPr lang="en-US" altLang="zh-TW" dirty="0"/>
+              <a:t>c</a:t>
+            </a:r>
+            <a:r>
+              <a:rPr lang="en-US" altLang="zh-TW" dirty="0" smtClean="0"/>
+              <a:t>hange</a:t>
+            </a:r>
+            <a:endParaRPr lang="en-US" altLang="zh-TW" dirty="0" smtClean="0"/>
+          </a:p>
+          <a:p>
+            <a:pPr marL="1371600" lvl="2" indent="-514350">
+              <a:buFont typeface="+mj-lt"/>
+              <a:buAutoNum type="arabicPeriod"/>
+            </a:pPr>
+            <a:r>
+              <a:rPr lang="en-US" altLang="zh-TW" dirty="0" smtClean="0"/>
+              <a:t>append</a:t>
+            </a:r>
+          </a:p>
+          <a:p>
+            <a:pPr marL="1371600" lvl="2" indent="-514350">
+              <a:buFont typeface="+mj-lt"/>
+              <a:buAutoNum type="arabicPeriod"/>
+            </a:pPr>
+            <a:r>
+              <a:rPr lang="en-US" altLang="zh-TW" dirty="0" err="1" smtClean="0"/>
+              <a:t>offsetX</a:t>
+            </a:r>
+            <a:r>
+              <a:rPr lang="zh-TW" altLang="en-US" dirty="0" smtClean="0"/>
+              <a:t>、</a:t>
+            </a:r>
+            <a:r>
+              <a:rPr lang="en-US" altLang="zh-TW" dirty="0" err="1" smtClean="0"/>
+              <a:t>offstY</a:t>
+            </a:r>
+            <a:endParaRPr lang="en-US" altLang="zh-TW" dirty="0" smtClean="0"/>
+          </a:p>
+          <a:p>
+            <a:pPr marL="971550" lvl="1" indent="-514350">
+              <a:buFont typeface="+mj-lt"/>
+              <a:buAutoNum type="arabicPeriod"/>
+            </a:pPr>
+            <a:r>
+              <a:rPr lang="en-US" altLang="zh-TW" dirty="0" err="1" smtClean="0"/>
+              <a:t>Boostrap</a:t>
+            </a:r>
+            <a:endParaRPr lang="en-US" altLang="zh-TW" dirty="0" smtClean="0"/>
+          </a:p>
+          <a:p>
+            <a:pPr marL="971550" lvl="1" indent="-514350">
+              <a:buFont typeface="+mj-lt"/>
+              <a:buAutoNum type="arabicPeriod"/>
+            </a:pPr>
+            <a:r>
+              <a:rPr lang="en-US" altLang="zh-TW" dirty="0" smtClean="0"/>
+              <a:t>Template</a:t>
+            </a:r>
+          </a:p>
+          <a:p>
+            <a:pPr marL="971550" lvl="1" indent="-514350">
+              <a:buFont typeface="+mj-lt"/>
+              <a:buAutoNum type="arabicPeriod"/>
+            </a:pPr>
+            <a:r>
+              <a:rPr lang="en-US" altLang="zh-TW" dirty="0" err="1" smtClean="0"/>
+              <a:t>Php</a:t>
+            </a:r>
+            <a:endParaRPr lang="en-US" altLang="zh-TW" dirty="0" smtClean="0"/>
+          </a:p>
+          <a:p>
+            <a:pPr marL="1371600" lvl="2" indent="-514350">
+              <a:buFont typeface="+mj-lt"/>
+              <a:buAutoNum type="arabicPeriod"/>
+            </a:pPr>
+            <a:r>
+              <a:rPr lang="en-US" altLang="zh-TW" dirty="0" smtClean="0"/>
+              <a:t>Session</a:t>
+            </a:r>
+            <a:r>
+              <a:rPr lang="zh-TW" altLang="en-US" dirty="0" smtClean="0"/>
+              <a:t>、</a:t>
+            </a:r>
+            <a:r>
+              <a:rPr lang="en-US" altLang="zh-TW" dirty="0"/>
+              <a:t>PDO-&gt;</a:t>
+            </a:r>
+            <a:r>
+              <a:rPr lang="en-US" altLang="zh-TW" dirty="0" err="1" smtClean="0"/>
+              <a:t>Insert,update,select</a:t>
+            </a:r>
+            <a:endParaRPr lang="en-US" altLang="zh-TW" dirty="0" smtClean="0"/>
+          </a:p>
+          <a:p>
+            <a:pPr marL="971550" lvl="1" indent="-514350">
+              <a:buFont typeface="+mj-lt"/>
+              <a:buAutoNum type="arabicPeriod"/>
+            </a:pPr>
+            <a:r>
+              <a:rPr lang="en-US" altLang="zh-TW" dirty="0" smtClean="0"/>
+              <a:t>MySQL</a:t>
+            </a:r>
+            <a:endParaRPr lang="en-US" altLang="zh-TW" dirty="0" smtClean="0"/>
+          </a:p>
+          <a:p>
+            <a:pPr>
+              <a:buFont typeface="Wingdings" panose="05000000000000000000" pitchFamily="2" charset="2"/>
+              <a:buChar char="Ø"/>
+            </a:pPr>
             <a:endParaRPr lang="zh-TW" altLang="en-US" dirty="0"/>
           </a:p>
         </p:txBody>
@@ -5631,7 +5753,7 @@
     </p:spTree>
     <p:extLst>
       <p:ext uri="{BB962C8B-B14F-4D97-AF65-F5344CB8AC3E}">
-        <p14:creationId xmlns:p14="http://schemas.microsoft.com/office/powerpoint/2010/main" val="4229617174"/>
+        <p14:creationId xmlns:p14="http://schemas.microsoft.com/office/powerpoint/2010/main" val="4278138985"/>
       </p:ext>
     </p:extLst>
   </p:cSld>
@@ -5682,6 +5804,1107 @@
           <a:p>
             <a:r>
               <a:rPr lang="en-US" altLang="zh-TW" dirty="0" smtClean="0"/>
+              <a:t>3.</a:t>
+            </a:r>
+            <a:r>
+              <a:rPr lang="zh-TW" altLang="en-US" dirty="0" smtClean="0"/>
+              <a:t>困難</a:t>
+            </a:r>
+            <a:endParaRPr lang="zh-TW" altLang="en-US" dirty="0"/>
+          </a:p>
+        </p:txBody>
+      </p:sp>
+      <p:sp>
+        <p:nvSpPr>
+          <p:cNvPr id="3" name="內容版面配置區 2"/>
+          <p:cNvSpPr>
+            <a:spLocks noGrp="1"/>
+          </p:cNvSpPr>
+          <p:nvPr>
+            <p:ph idx="1"/>
+          </p:nvPr>
+        </p:nvSpPr>
+        <p:spPr/>
+        <p:txBody>
+          <a:bodyPr>
+            <a:normAutofit lnSpcReduction="10000"/>
+          </a:bodyPr>
+          <a:lstStyle/>
+          <a:p>
+            <a:pPr marL="514350" lvl="1" indent="-514350">
+              <a:buFont typeface="+mj-lt"/>
+              <a:buAutoNum type="arabicPeriod"/>
+            </a:pPr>
+            <a:r>
+              <a:rPr lang="zh-TW" altLang="en-US" dirty="0" smtClean="0"/>
+              <a:t>傳遞參數不換頁</a:t>
+            </a:r>
+            <a:r>
+              <a:rPr lang="en-US" altLang="zh-TW" dirty="0"/>
+              <a:t>(</a:t>
+            </a:r>
+            <a:r>
+              <a:rPr lang="en-US" altLang="zh-TW" dirty="0" smtClean="0"/>
+              <a:t>jQuery </a:t>
+            </a:r>
+            <a:r>
+              <a:rPr lang="en-US" altLang="zh-TW" dirty="0" smtClean="0"/>
+              <a:t>AJAX</a:t>
+            </a:r>
+            <a:r>
+              <a:rPr lang="en-US" altLang="zh-TW" dirty="0" smtClean="0"/>
+              <a:t>)</a:t>
+            </a:r>
+          </a:p>
+          <a:p>
+            <a:pPr marL="514350" indent="-514350">
+              <a:buFont typeface="+mj-lt"/>
+              <a:buAutoNum type="arabicPeriod"/>
+            </a:pPr>
+            <a:r>
+              <a:rPr lang="zh-TW" altLang="en-US" dirty="0" smtClean="0"/>
+              <a:t>參數</a:t>
+            </a:r>
+            <a:r>
+              <a:rPr lang="zh-TW" altLang="en-US" dirty="0" smtClean="0"/>
+              <a:t>為陣列</a:t>
+            </a:r>
+            <a:r>
+              <a:rPr lang="en-US" altLang="zh-TW" dirty="0" smtClean="0"/>
+              <a:t>(</a:t>
+            </a:r>
+            <a:r>
+              <a:rPr lang="en-US" altLang="zh-TW" dirty="0" err="1" smtClean="0"/>
+              <a:t>ex:name</a:t>
+            </a:r>
+            <a:r>
+              <a:rPr lang="en-US" altLang="zh-TW" dirty="0" smtClean="0"/>
+              <a:t>[</a:t>
+            </a:r>
+            <a:r>
+              <a:rPr lang="zh-TW" altLang="en-US" dirty="0" smtClean="0"/>
+              <a:t> </a:t>
+            </a:r>
+            <a:r>
+              <a:rPr lang="en-US" altLang="zh-TW" dirty="0" smtClean="0"/>
+              <a:t>])</a:t>
+            </a:r>
+            <a:r>
+              <a:rPr lang="zh-TW" altLang="en-US" dirty="0" smtClean="0"/>
+              <a:t>，如何拆解並匯入資料庫</a:t>
+            </a:r>
+            <a:endParaRPr lang="en-US" altLang="zh-TW" dirty="0" smtClean="0"/>
+          </a:p>
+          <a:p>
+            <a:pPr marL="914400" lvl="1" indent="-514350">
+              <a:buFont typeface="+mj-lt"/>
+              <a:buAutoNum type="arabicPeriod"/>
+            </a:pPr>
+            <a:r>
+              <a:rPr lang="zh-TW" altLang="en-US" dirty="0"/>
+              <a:t>一人填很多</a:t>
+            </a:r>
+            <a:r>
+              <a:rPr lang="zh-TW" altLang="en-US" dirty="0" smtClean="0"/>
+              <a:t>筆資料</a:t>
+            </a:r>
+            <a:r>
+              <a:rPr lang="en-US" altLang="zh-TW" dirty="0" smtClean="0"/>
+              <a:t>(Brad</a:t>
+            </a:r>
+            <a:r>
+              <a:rPr lang="zh-TW" altLang="en-US" dirty="0" smtClean="0"/>
+              <a:t>姓名、住址、生日</a:t>
+            </a:r>
+            <a:r>
+              <a:rPr lang="en-US" altLang="zh-TW" dirty="0" smtClean="0"/>
+              <a:t>….)</a:t>
+            </a:r>
+            <a:r>
+              <a:rPr lang="zh-TW" altLang="en-US" dirty="0" smtClean="0"/>
+              <a:t>一次匯入資料庫</a:t>
+            </a:r>
+            <a:r>
+              <a:rPr lang="en-US" altLang="zh-TW" dirty="0" smtClean="0"/>
+              <a:t>---EASY</a:t>
+            </a:r>
+          </a:p>
+          <a:p>
+            <a:pPr marL="914400" lvl="1" indent="-514350">
+              <a:buFont typeface="+mj-lt"/>
+              <a:buAutoNum type="arabicPeriod"/>
+            </a:pPr>
+            <a:r>
+              <a:rPr lang="zh-TW" altLang="en-US" dirty="0"/>
+              <a:t>很多人</a:t>
+            </a:r>
+            <a:r>
+              <a:rPr lang="zh-TW" altLang="en-US" dirty="0" smtClean="0"/>
+              <a:t>填很多筆資料</a:t>
+            </a:r>
+            <a:r>
+              <a:rPr lang="en-US" altLang="zh-TW" dirty="0" smtClean="0"/>
+              <a:t>(Brad</a:t>
+            </a:r>
+            <a:r>
+              <a:rPr lang="zh-TW" altLang="en-US" dirty="0" smtClean="0"/>
+              <a:t>、</a:t>
+            </a:r>
+            <a:r>
+              <a:rPr lang="en-US" altLang="zh-TW" dirty="0" smtClean="0"/>
+              <a:t>Seven</a:t>
+            </a:r>
+            <a:r>
+              <a:rPr lang="zh-TW" altLang="en-US" dirty="0" smtClean="0"/>
+              <a:t>在同一份表單上填姓名、住址</a:t>
+            </a:r>
+            <a:r>
+              <a:rPr lang="en-US" altLang="zh-TW" dirty="0" smtClean="0"/>
+              <a:t>…)</a:t>
+            </a:r>
+            <a:r>
+              <a:rPr lang="zh-TW" altLang="en-US" dirty="0" smtClean="0"/>
+              <a:t>一次性</a:t>
+            </a:r>
+            <a:r>
+              <a:rPr lang="en-US" altLang="zh-TW" dirty="0" smtClean="0"/>
+              <a:t>submit</a:t>
+            </a:r>
+            <a:r>
+              <a:rPr lang="zh-TW" altLang="en-US" dirty="0" smtClean="0"/>
+              <a:t>並匯入資料庫</a:t>
+            </a:r>
+            <a:r>
+              <a:rPr lang="en-US" altLang="zh-TW" dirty="0" smtClean="0"/>
+              <a:t>----HARD</a:t>
+            </a:r>
+          </a:p>
+          <a:p>
+            <a:pPr marL="514350" indent="-514350">
+              <a:buFont typeface="+mj-lt"/>
+              <a:buAutoNum type="arabicPeriod"/>
+            </a:pPr>
+            <a:r>
+              <a:rPr lang="en-US" altLang="zh-TW" dirty="0" smtClean="0"/>
+              <a:t>SVG(</a:t>
+            </a:r>
+            <a:r>
+              <a:rPr lang="zh-TW" altLang="en-US" dirty="0" smtClean="0"/>
+              <a:t>類似</a:t>
+            </a:r>
+            <a:r>
+              <a:rPr lang="en-US" altLang="zh-TW" dirty="0" smtClean="0"/>
+              <a:t>CANVAS)</a:t>
+            </a:r>
+            <a:r>
+              <a:rPr lang="zh-TW" altLang="en-US" dirty="0" smtClean="0"/>
+              <a:t>如何透過點擊螢幕取得</a:t>
+            </a:r>
+            <a:r>
+              <a:rPr lang="en-US" altLang="zh-TW" dirty="0" smtClean="0"/>
+              <a:t>x</a:t>
+            </a:r>
+            <a:r>
+              <a:rPr lang="zh-TW" altLang="en-US" dirty="0" smtClean="0"/>
+              <a:t>、</a:t>
+            </a:r>
+            <a:r>
+              <a:rPr lang="en-US" altLang="zh-TW" dirty="0" smtClean="0"/>
+              <a:t>y</a:t>
+            </a:r>
+            <a:r>
+              <a:rPr lang="zh-TW" altLang="en-US" dirty="0" smtClean="0"/>
+              <a:t>並繪製</a:t>
+            </a:r>
+            <a:endParaRPr lang="en-US" altLang="zh-TW" dirty="0" smtClean="0"/>
+          </a:p>
+          <a:p>
+            <a:pPr marL="514350" indent="-514350">
+              <a:buFont typeface="+mj-lt"/>
+              <a:buAutoNum type="arabicPeriod"/>
+            </a:pPr>
+            <a:endParaRPr lang="zh-TW" altLang="en-US" dirty="0"/>
+          </a:p>
+        </p:txBody>
+      </p:sp>
+      <p:grpSp>
+        <p:nvGrpSpPr>
+          <p:cNvPr id="4" name="群組 3"/>
+          <p:cNvGrpSpPr/>
+          <p:nvPr/>
+        </p:nvGrpSpPr>
+        <p:grpSpPr>
+          <a:xfrm>
+            <a:off x="1070613" y="4257726"/>
+            <a:ext cx="7168896" cy="2302987"/>
+            <a:chOff x="4716016" y="4157220"/>
+            <a:chExt cx="7168896" cy="2302987"/>
+          </a:xfrm>
+        </p:grpSpPr>
+        <p:pic>
+          <p:nvPicPr>
+            <p:cNvPr id="5" name="Picture 3"/>
+            <p:cNvPicPr>
+              <a:picLocks noChangeAspect="1" noChangeArrowheads="1"/>
+            </p:cNvPicPr>
+            <p:nvPr/>
+          </p:nvPicPr>
+          <p:blipFill rotWithShape="1">
+            <a:blip r:embed="rId2">
+              <a:extLst>
+                <a:ext uri="{28A0092B-C50C-407E-A947-70E740481C1C}">
+                  <a14:useLocalDpi xmlns:a14="http://schemas.microsoft.com/office/drawing/2010/main" val="0"/>
+                </a:ext>
+              </a:extLst>
+            </a:blip>
+            <a:srcRect l="28025" t="44802" r="13175" b="21617"/>
+            <a:stretch/>
+          </p:blipFill>
+          <p:spPr bwMode="auto">
+            <a:xfrm>
+              <a:off x="4716016" y="4157220"/>
+              <a:ext cx="7168896" cy="2302987"/>
+            </a:xfrm>
+            <a:prstGeom prst="rect">
+              <a:avLst/>
+            </a:prstGeom>
+            <a:noFill/>
+            <a:ln>
+              <a:noFill/>
+            </a:ln>
+            <a:extLst>
+              <a:ext uri="{909E8E84-426E-40DD-AFC4-6F175D3DCCD1}">
+                <a14:hiddenFill xmlns:a14="http://schemas.microsoft.com/office/drawing/2010/main">
+                  <a:solidFill>
+                    <a:schemeClr val="accent1"/>
+                  </a:solidFill>
+                </a14:hiddenFill>
+              </a:ext>
+              <a:ext uri="{91240B29-F687-4F45-9708-019B960494DF}">
+                <a14:hiddenLine xmlns:a14="http://schemas.microsoft.com/office/drawing/2010/main" w="9525">
+                  <a:solidFill>
+                    <a:schemeClr val="tx1"/>
+                  </a:solidFill>
+                  <a:miter lim="800000"/>
+                  <a:headEnd/>
+                  <a:tailEnd/>
+                </a14:hiddenLine>
+              </a:ext>
+            </a:extLst>
+          </p:spPr>
+        </p:pic>
+        <p:sp>
+          <p:nvSpPr>
+            <p:cNvPr id="6" name="文字方塊 5"/>
+            <p:cNvSpPr txBox="1"/>
+            <p:nvPr/>
+          </p:nvSpPr>
+          <p:spPr>
+            <a:xfrm>
+              <a:off x="7271792" y="4653136"/>
+              <a:ext cx="1872208" cy="369332"/>
+            </a:xfrm>
+            <a:prstGeom prst="rect">
+              <a:avLst/>
+            </a:prstGeom>
+            <a:noFill/>
+          </p:spPr>
+          <p:txBody>
+            <a:bodyPr wrap="square" rtlCol="0">
+              <a:spAutoFit/>
+            </a:bodyPr>
+            <a:lstStyle/>
+            <a:p>
+              <a:r>
+                <a:rPr lang="zh-TW" altLang="en-US" b="1" dirty="0" smtClean="0">
+                  <a:solidFill>
+                    <a:srgbClr val="FF0000"/>
+                  </a:solidFill>
+                </a:rPr>
+                <a:t>球員基本資料表</a:t>
+              </a:r>
+              <a:endParaRPr lang="zh-TW" altLang="en-US" b="1" dirty="0">
+                <a:solidFill>
+                  <a:srgbClr val="FF0000"/>
+                </a:solidFill>
+              </a:endParaRPr>
+            </a:p>
+          </p:txBody>
+        </p:sp>
+      </p:grpSp>
+      <p:sp>
+        <p:nvSpPr>
+          <p:cNvPr id="10" name="框架 9"/>
+          <p:cNvSpPr/>
+          <p:nvPr/>
+        </p:nvSpPr>
+        <p:spPr>
+          <a:xfrm>
+            <a:off x="1184459" y="5194880"/>
+            <a:ext cx="6788035" cy="504056"/>
+          </a:xfrm>
+          <a:prstGeom prst="frame">
+            <a:avLst/>
+          </a:prstGeom>
+          <a:solidFill>
+            <a:srgbClr val="FF0000"/>
+          </a:solidFill>
+        </p:spPr>
+        <p:style>
+          <a:lnRef idx="2">
+            <a:schemeClr val="accent1">
+              <a:shade val="50000"/>
+            </a:schemeClr>
+          </a:lnRef>
+          <a:fillRef idx="1">
+            <a:schemeClr val="accent1"/>
+          </a:fillRef>
+          <a:effectRef idx="0">
+            <a:schemeClr val="accent1"/>
+          </a:effectRef>
+          <a:fontRef idx="minor">
+            <a:schemeClr val="lt1"/>
+          </a:fontRef>
+        </p:style>
+        <p:txBody>
+          <a:bodyPr rtlCol="0" anchor="ctr"/>
+          <a:lstStyle/>
+          <a:p>
+            <a:pPr algn="ctr"/>
+            <a:endParaRPr lang="zh-TW" altLang="en-US">
+              <a:solidFill>
+                <a:schemeClr val="tx1"/>
+              </a:solidFill>
+            </a:endParaRPr>
+          </a:p>
+        </p:txBody>
+      </p:sp>
+      <p:grpSp>
+        <p:nvGrpSpPr>
+          <p:cNvPr id="7" name="群組 6"/>
+          <p:cNvGrpSpPr/>
+          <p:nvPr/>
+        </p:nvGrpSpPr>
+        <p:grpSpPr>
+          <a:xfrm>
+            <a:off x="1135387" y="34296"/>
+            <a:ext cx="6788035" cy="4176464"/>
+            <a:chOff x="-1200122" y="2220733"/>
+            <a:chExt cx="6788035" cy="4176464"/>
+          </a:xfrm>
+        </p:grpSpPr>
+        <p:pic>
+          <p:nvPicPr>
+            <p:cNvPr id="8" name="Picture 2"/>
+            <p:cNvPicPr>
+              <a:picLocks noChangeAspect="1" noChangeArrowheads="1"/>
+            </p:cNvPicPr>
+            <p:nvPr/>
+          </p:nvPicPr>
+          <p:blipFill rotWithShape="1">
+            <a:blip r:embed="rId3">
+              <a:extLst>
+                <a:ext uri="{28A0092B-C50C-407E-A947-70E740481C1C}">
+                  <a14:useLocalDpi xmlns:a14="http://schemas.microsoft.com/office/drawing/2010/main" val="0"/>
+                </a:ext>
+              </a:extLst>
+            </a:blip>
+            <a:srcRect l="28370" t="19372" r="13389" b="16925"/>
+            <a:stretch/>
+          </p:blipFill>
+          <p:spPr bwMode="auto">
+            <a:xfrm>
+              <a:off x="-1200122" y="2220733"/>
+              <a:ext cx="6788035" cy="4176464"/>
+            </a:xfrm>
+            <a:prstGeom prst="rect">
+              <a:avLst/>
+            </a:prstGeom>
+            <a:noFill/>
+            <a:ln>
+              <a:noFill/>
+            </a:ln>
+            <a:extLst>
+              <a:ext uri="{909E8E84-426E-40DD-AFC4-6F175D3DCCD1}">
+                <a14:hiddenFill xmlns:a14="http://schemas.microsoft.com/office/drawing/2010/main">
+                  <a:solidFill>
+                    <a:schemeClr val="accent1"/>
+                  </a:solidFill>
+                </a14:hiddenFill>
+              </a:ext>
+              <a:ext uri="{91240B29-F687-4F45-9708-019B960494DF}">
+                <a14:hiddenLine xmlns:a14="http://schemas.microsoft.com/office/drawing/2010/main" w="9525">
+                  <a:solidFill>
+                    <a:schemeClr val="tx1"/>
+                  </a:solidFill>
+                  <a:miter lim="800000"/>
+                  <a:headEnd/>
+                  <a:tailEnd/>
+                </a14:hiddenLine>
+              </a:ext>
+            </a:extLst>
+          </p:spPr>
+        </p:pic>
+        <p:sp>
+          <p:nvSpPr>
+            <p:cNvPr id="9" name="文字方塊 8"/>
+            <p:cNvSpPr txBox="1"/>
+            <p:nvPr/>
+          </p:nvSpPr>
+          <p:spPr>
+            <a:xfrm>
+              <a:off x="1051992" y="2645296"/>
+              <a:ext cx="1872208" cy="369332"/>
+            </a:xfrm>
+            <a:prstGeom prst="rect">
+              <a:avLst/>
+            </a:prstGeom>
+            <a:noFill/>
+          </p:spPr>
+          <p:txBody>
+            <a:bodyPr wrap="square" rtlCol="0">
+              <a:spAutoFit/>
+            </a:bodyPr>
+            <a:lstStyle/>
+            <a:p>
+              <a:r>
+                <a:rPr lang="zh-TW" altLang="en-US" b="1" dirty="0" smtClean="0">
+                  <a:solidFill>
+                    <a:srgbClr val="FF0000"/>
+                  </a:solidFill>
+                </a:rPr>
+                <a:t>球員號碼資料表</a:t>
+              </a:r>
+              <a:endParaRPr lang="zh-TW" altLang="en-US" b="1" dirty="0">
+                <a:solidFill>
+                  <a:srgbClr val="FF0000"/>
+                </a:solidFill>
+              </a:endParaRPr>
+            </a:p>
+          </p:txBody>
+        </p:sp>
+      </p:grpSp>
+      <p:sp>
+        <p:nvSpPr>
+          <p:cNvPr id="11" name="框架 10"/>
+          <p:cNvSpPr/>
+          <p:nvPr/>
+        </p:nvSpPr>
+        <p:spPr>
+          <a:xfrm>
+            <a:off x="1168475" y="980728"/>
+            <a:ext cx="6788035" cy="720080"/>
+          </a:xfrm>
+          <a:prstGeom prst="frame">
+            <a:avLst/>
+          </a:prstGeom>
+          <a:solidFill>
+            <a:srgbClr val="FF0000"/>
+          </a:solidFill>
+        </p:spPr>
+        <p:style>
+          <a:lnRef idx="2">
+            <a:schemeClr val="accent1">
+              <a:shade val="50000"/>
+            </a:schemeClr>
+          </a:lnRef>
+          <a:fillRef idx="1">
+            <a:schemeClr val="accent1"/>
+          </a:fillRef>
+          <a:effectRef idx="0">
+            <a:schemeClr val="accent1"/>
+          </a:effectRef>
+          <a:fontRef idx="minor">
+            <a:schemeClr val="lt1"/>
+          </a:fontRef>
+        </p:style>
+        <p:txBody>
+          <a:bodyPr rtlCol="0" anchor="ctr"/>
+          <a:lstStyle/>
+          <a:p>
+            <a:pPr algn="ctr"/>
+            <a:endParaRPr lang="zh-TW" altLang="en-US">
+              <a:solidFill>
+                <a:schemeClr val="tx1"/>
+              </a:solidFill>
+            </a:endParaRPr>
+          </a:p>
+        </p:txBody>
+      </p:sp>
+    </p:spTree>
+    <p:extLst>
+      <p:ext uri="{BB962C8B-B14F-4D97-AF65-F5344CB8AC3E}">
+        <p14:creationId xmlns:p14="http://schemas.microsoft.com/office/powerpoint/2010/main" val="4229617174"/>
+      </p:ext>
+    </p:extLst>
+  </p:cSld>
+  <p:clrMapOvr>
+    <a:masterClrMapping/>
+  </p:clrMapOvr>
+  <p:timing>
+    <p:tnLst>
+      <p:par>
+        <p:cTn id="1" dur="indefinite" restart="never" nodeType="tmRoot">
+          <p:childTnLst>
+            <p:seq concurrent="1" nextAc="seek">
+              <p:cTn id="2" dur="indefinite" nodeType="mainSeq">
+                <p:childTnLst>
+                  <p:par>
+                    <p:cTn id="3" fill="hold">
+                      <p:stCondLst>
+                        <p:cond delay="indefinite"/>
+                      </p:stCondLst>
+                      <p:childTnLst>
+                        <p:par>
+                          <p:cTn id="4" fill="hold">
+                            <p:stCondLst>
+                              <p:cond delay="0"/>
+                            </p:stCondLst>
+                            <p:childTnLst>
+                              <p:par>
+                                <p:cTn id="5" presetID="22" presetClass="entr" presetSubtype="4" fill="hold" nodeType="clickEffect">
+                                  <p:stCondLst>
+                                    <p:cond delay="0"/>
+                                  </p:stCondLst>
+                                  <p:childTnLst>
+                                    <p:set>
+                                      <p:cBhvr>
+                                        <p:cTn id="6" dur="1" fill="hold">
+                                          <p:stCondLst>
+                                            <p:cond delay="0"/>
+                                          </p:stCondLst>
+                                        </p:cTn>
+                                        <p:tgtEl>
+                                          <p:spTgt spid="7"/>
+                                        </p:tgtEl>
+                                        <p:attrNameLst>
+                                          <p:attrName>style.visibility</p:attrName>
+                                        </p:attrNameLst>
+                                      </p:cBhvr>
+                                      <p:to>
+                                        <p:strVal val="visible"/>
+                                      </p:to>
+                                    </p:set>
+                                    <p:animEffect transition="in" filter="wipe(down)">
+                                      <p:cBhvr>
+                                        <p:cTn id="7" dur="500"/>
+                                        <p:tgtEl>
+                                          <p:spTgt spid="7"/>
+                                        </p:tgtEl>
+                                      </p:cBhvr>
+                                    </p:animEffect>
+                                  </p:childTnLst>
+                                </p:cTn>
+                              </p:par>
+                            </p:childTnLst>
+                          </p:cTn>
+                        </p:par>
+                      </p:childTnLst>
+                    </p:cTn>
+                  </p:par>
+                  <p:par>
+                    <p:cTn id="8" fill="hold">
+                      <p:stCondLst>
+                        <p:cond delay="indefinite"/>
+                      </p:stCondLst>
+                      <p:childTnLst>
+                        <p:par>
+                          <p:cTn id="9" fill="hold">
+                            <p:stCondLst>
+                              <p:cond delay="0"/>
+                            </p:stCondLst>
+                            <p:childTnLst>
+                              <p:par>
+                                <p:cTn id="10" presetID="16" presetClass="entr" presetSubtype="21" fill="hold" grpId="0" nodeType="clickEffect">
+                                  <p:stCondLst>
+                                    <p:cond delay="0"/>
+                                  </p:stCondLst>
+                                  <p:childTnLst>
+                                    <p:set>
+                                      <p:cBhvr>
+                                        <p:cTn id="11" dur="1" fill="hold">
+                                          <p:stCondLst>
+                                            <p:cond delay="0"/>
+                                          </p:stCondLst>
+                                        </p:cTn>
+                                        <p:tgtEl>
+                                          <p:spTgt spid="11"/>
+                                        </p:tgtEl>
+                                        <p:attrNameLst>
+                                          <p:attrName>style.visibility</p:attrName>
+                                        </p:attrNameLst>
+                                      </p:cBhvr>
+                                      <p:to>
+                                        <p:strVal val="visible"/>
+                                      </p:to>
+                                    </p:set>
+                                    <p:animEffect transition="in" filter="barn(inVertical)">
+                                      <p:cBhvr>
+                                        <p:cTn id="12" dur="500"/>
+                                        <p:tgtEl>
+                                          <p:spTgt spid="11"/>
+                                        </p:tgtEl>
+                                      </p:cBhvr>
+                                    </p:animEffect>
+                                  </p:childTnLst>
+                                </p:cTn>
+                              </p:par>
+                            </p:childTnLst>
+                          </p:cTn>
+                        </p:par>
+                      </p:childTnLst>
+                    </p:cTn>
+                  </p:par>
+                  <p:par>
+                    <p:cTn id="13" fill="hold">
+                      <p:stCondLst>
+                        <p:cond delay="indefinite"/>
+                      </p:stCondLst>
+                      <p:childTnLst>
+                        <p:par>
+                          <p:cTn id="14" fill="hold">
+                            <p:stCondLst>
+                              <p:cond delay="0"/>
+                            </p:stCondLst>
+                            <p:childTnLst>
+                              <p:par>
+                                <p:cTn id="15" presetID="16" presetClass="entr" presetSubtype="21" fill="hold" nodeType="clickEffect">
+                                  <p:stCondLst>
+                                    <p:cond delay="0"/>
+                                  </p:stCondLst>
+                                  <p:childTnLst>
+                                    <p:set>
+                                      <p:cBhvr>
+                                        <p:cTn id="16" dur="1" fill="hold">
+                                          <p:stCondLst>
+                                            <p:cond delay="0"/>
+                                          </p:stCondLst>
+                                        </p:cTn>
+                                        <p:tgtEl>
+                                          <p:spTgt spid="4"/>
+                                        </p:tgtEl>
+                                        <p:attrNameLst>
+                                          <p:attrName>style.visibility</p:attrName>
+                                        </p:attrNameLst>
+                                      </p:cBhvr>
+                                      <p:to>
+                                        <p:strVal val="visible"/>
+                                      </p:to>
+                                    </p:set>
+                                    <p:animEffect transition="in" filter="barn(inVertical)">
+                                      <p:cBhvr>
+                                        <p:cTn id="17" dur="500"/>
+                                        <p:tgtEl>
+                                          <p:spTgt spid="4"/>
+                                        </p:tgtEl>
+                                      </p:cBhvr>
+                                    </p:animEffect>
+                                  </p:childTnLst>
+                                </p:cTn>
+                              </p:par>
+                            </p:childTnLst>
+                          </p:cTn>
+                        </p:par>
+                      </p:childTnLst>
+                    </p:cTn>
+                  </p:par>
+                  <p:par>
+                    <p:cTn id="18" fill="hold">
+                      <p:stCondLst>
+                        <p:cond delay="indefinite"/>
+                      </p:stCondLst>
+                      <p:childTnLst>
+                        <p:par>
+                          <p:cTn id="19" fill="hold">
+                            <p:stCondLst>
+                              <p:cond delay="0"/>
+                            </p:stCondLst>
+                            <p:childTnLst>
+                              <p:par>
+                                <p:cTn id="20" presetID="16" presetClass="entr" presetSubtype="21" fill="hold" grpId="0" nodeType="clickEffect">
+                                  <p:stCondLst>
+                                    <p:cond delay="0"/>
+                                  </p:stCondLst>
+                                  <p:childTnLst>
+                                    <p:set>
+                                      <p:cBhvr>
+                                        <p:cTn id="21" dur="1" fill="hold">
+                                          <p:stCondLst>
+                                            <p:cond delay="0"/>
+                                          </p:stCondLst>
+                                        </p:cTn>
+                                        <p:tgtEl>
+                                          <p:spTgt spid="10"/>
+                                        </p:tgtEl>
+                                        <p:attrNameLst>
+                                          <p:attrName>style.visibility</p:attrName>
+                                        </p:attrNameLst>
+                                      </p:cBhvr>
+                                      <p:to>
+                                        <p:strVal val="visible"/>
+                                      </p:to>
+                                    </p:set>
+                                    <p:animEffect transition="in" filter="barn(inVertical)">
+                                      <p:cBhvr>
+                                        <p:cTn id="22" dur="500"/>
+                                        <p:tgtEl>
+                                          <p:spTgt spid="10"/>
+                                        </p:tgtEl>
+                                      </p:cBhvr>
+                                    </p:animEffect>
+                                  </p:childTnLst>
+                                </p:cTn>
+                              </p:par>
+                            </p:childTnLst>
+                          </p:cTn>
+                        </p:par>
+                      </p:childTnLst>
+                    </p:cTn>
+                  </p:par>
+                </p:childTnLst>
+              </p:cTn>
+              <p:prevCondLst>
+                <p:cond evt="onPrev" delay="0">
+                  <p:tgtEl>
+                    <p:sldTgt/>
+                  </p:tgtEl>
+                </p:cond>
+              </p:prevCondLst>
+              <p:nextCondLst>
+                <p:cond evt="onNext" delay="0">
+                  <p:tgtEl>
+                    <p:sldTgt/>
+                  </p:tgtEl>
+                </p:cond>
+              </p:nextCondLst>
+            </p:seq>
+          </p:childTnLst>
+        </p:cTn>
+      </p:par>
+    </p:tnLst>
+    <p:bldLst>
+      <p:bldP spid="10" grpId="0" animBg="1"/>
+      <p:bldP spid="11" grpId="0" animBg="1"/>
+    </p:bldLst>
+  </p:timing>
+</p:sld>
+</file>
+
+<file path=ppt/slides/slide8.xml><?xml version="1.0" encoding="utf-8"?>
+<p:sld xmlns:a="http://schemas.openxmlformats.org/drawingml/2006/main" xmlns:r="http://schemas.openxmlformats.org/officeDocument/2006/relationships" xmlns:p="http://schemas.openxmlformats.org/presentationml/2006/main">
+  <p:cSld>
+    <p:spTree>
+      <p:nvGrpSpPr>
+        <p:cNvPr id="1" name=""/>
+        <p:cNvGrpSpPr/>
+        <p:nvPr/>
+      </p:nvGrpSpPr>
+      <p:grpSpPr>
+        <a:xfrm>
+          <a:off x="0" y="0"/>
+          <a:ext cx="0" cy="0"/>
+          <a:chOff x="0" y="0"/>
+          <a:chExt cx="0" cy="0"/>
+        </a:xfrm>
+      </p:grpSpPr>
+      <p:sp>
+        <p:nvSpPr>
+          <p:cNvPr id="2" name="標題 1"/>
+          <p:cNvSpPr>
+            <a:spLocks noGrp="1"/>
+          </p:cNvSpPr>
+          <p:nvPr>
+            <p:ph type="title"/>
+          </p:nvPr>
+        </p:nvSpPr>
+        <p:spPr/>
+        <p:txBody>
+          <a:bodyPr/>
+          <a:lstStyle/>
+          <a:p>
+            <a:r>
+              <a:rPr lang="en-US" altLang="zh-TW" dirty="0" smtClean="0"/>
+              <a:t>3.</a:t>
+            </a:r>
+            <a:r>
+              <a:rPr lang="zh-TW" altLang="en-US" dirty="0" smtClean="0"/>
+              <a:t>困難</a:t>
+            </a:r>
+            <a:endParaRPr lang="zh-TW" altLang="en-US" dirty="0"/>
+          </a:p>
+        </p:txBody>
+      </p:sp>
+      <p:sp>
+        <p:nvSpPr>
+          <p:cNvPr id="3" name="內容版面配置區 2"/>
+          <p:cNvSpPr>
+            <a:spLocks noGrp="1"/>
+          </p:cNvSpPr>
+          <p:nvPr>
+            <p:ph idx="1"/>
+          </p:nvPr>
+        </p:nvSpPr>
+        <p:spPr/>
+        <p:txBody>
+          <a:bodyPr>
+            <a:normAutofit lnSpcReduction="10000"/>
+          </a:bodyPr>
+          <a:lstStyle/>
+          <a:p>
+            <a:pPr marL="514350" lvl="1" indent="-514350">
+              <a:buFont typeface="+mj-lt"/>
+              <a:buAutoNum type="arabicPeriod"/>
+            </a:pPr>
+            <a:r>
+              <a:rPr lang="zh-TW" altLang="en-US" dirty="0" smtClean="0"/>
+              <a:t>傳遞參數不換頁</a:t>
+            </a:r>
+            <a:r>
+              <a:rPr lang="en-US" altLang="zh-TW" dirty="0"/>
+              <a:t>(</a:t>
+            </a:r>
+            <a:r>
+              <a:rPr lang="en-US" altLang="zh-TW" dirty="0" smtClean="0"/>
+              <a:t>jQuery </a:t>
+            </a:r>
+            <a:r>
+              <a:rPr lang="en-US" altLang="zh-TW" dirty="0" smtClean="0"/>
+              <a:t>AJAX</a:t>
+            </a:r>
+            <a:r>
+              <a:rPr lang="en-US" altLang="zh-TW" dirty="0" smtClean="0"/>
+              <a:t>)</a:t>
+            </a:r>
+          </a:p>
+          <a:p>
+            <a:pPr marL="514350" indent="-514350">
+              <a:buFont typeface="+mj-lt"/>
+              <a:buAutoNum type="arabicPeriod"/>
+            </a:pPr>
+            <a:r>
+              <a:rPr lang="zh-TW" altLang="en-US" dirty="0" smtClean="0"/>
+              <a:t>參數</a:t>
+            </a:r>
+            <a:r>
+              <a:rPr lang="zh-TW" altLang="en-US" dirty="0" smtClean="0"/>
+              <a:t>為</a:t>
+            </a:r>
+            <a:r>
+              <a:rPr lang="zh-TW" altLang="en-US" dirty="0"/>
+              <a:t>陣列</a:t>
+            </a:r>
+            <a:r>
+              <a:rPr lang="en-US" altLang="zh-TW" dirty="0" smtClean="0"/>
+              <a:t>(</a:t>
+            </a:r>
+            <a:r>
+              <a:rPr lang="en-US" altLang="zh-TW" dirty="0" err="1" smtClean="0"/>
+              <a:t>ex:name</a:t>
+            </a:r>
+            <a:r>
+              <a:rPr lang="en-US" altLang="zh-TW" dirty="0" smtClean="0"/>
+              <a:t>[</a:t>
+            </a:r>
+            <a:r>
+              <a:rPr lang="zh-TW" altLang="en-US" dirty="0" smtClean="0"/>
+              <a:t> </a:t>
+            </a:r>
+            <a:r>
+              <a:rPr lang="en-US" altLang="zh-TW" dirty="0" smtClean="0"/>
+              <a:t>])</a:t>
+            </a:r>
+            <a:r>
+              <a:rPr lang="zh-TW" altLang="en-US" dirty="0" smtClean="0"/>
+              <a:t>，如何拆解並匯入資料庫</a:t>
+            </a:r>
+            <a:endParaRPr lang="en-US" altLang="zh-TW" dirty="0" smtClean="0"/>
+          </a:p>
+          <a:p>
+            <a:pPr marL="914400" lvl="1" indent="-514350">
+              <a:buFont typeface="+mj-lt"/>
+              <a:buAutoNum type="arabicPeriod"/>
+            </a:pPr>
+            <a:r>
+              <a:rPr lang="zh-TW" altLang="en-US" dirty="0"/>
+              <a:t>一人填很多</a:t>
+            </a:r>
+            <a:r>
+              <a:rPr lang="zh-TW" altLang="en-US" dirty="0" smtClean="0"/>
+              <a:t>筆資料</a:t>
+            </a:r>
+            <a:r>
+              <a:rPr lang="en-US" altLang="zh-TW" dirty="0" smtClean="0"/>
+              <a:t>(Brad</a:t>
+            </a:r>
+            <a:r>
+              <a:rPr lang="zh-TW" altLang="en-US" dirty="0" smtClean="0"/>
+              <a:t>姓名、住址、生日</a:t>
+            </a:r>
+            <a:r>
+              <a:rPr lang="en-US" altLang="zh-TW" dirty="0" smtClean="0"/>
+              <a:t>….)</a:t>
+            </a:r>
+            <a:r>
+              <a:rPr lang="zh-TW" altLang="en-US" dirty="0" smtClean="0"/>
+              <a:t>一次匯入資料庫</a:t>
+            </a:r>
+            <a:r>
+              <a:rPr lang="en-US" altLang="zh-TW" dirty="0" smtClean="0"/>
+              <a:t>---EASY</a:t>
+            </a:r>
+          </a:p>
+          <a:p>
+            <a:pPr marL="914400" lvl="1" indent="-514350">
+              <a:buFont typeface="+mj-lt"/>
+              <a:buAutoNum type="arabicPeriod"/>
+            </a:pPr>
+            <a:r>
+              <a:rPr lang="zh-TW" altLang="en-US" dirty="0"/>
+              <a:t>很多人</a:t>
+            </a:r>
+            <a:r>
+              <a:rPr lang="zh-TW" altLang="en-US" dirty="0" smtClean="0"/>
+              <a:t>填很多筆資料</a:t>
+            </a:r>
+            <a:r>
+              <a:rPr lang="en-US" altLang="zh-TW" dirty="0" smtClean="0"/>
+              <a:t>(Brad</a:t>
+            </a:r>
+            <a:r>
+              <a:rPr lang="zh-TW" altLang="en-US" dirty="0" smtClean="0"/>
+              <a:t>、</a:t>
+            </a:r>
+            <a:r>
+              <a:rPr lang="en-US" altLang="zh-TW" dirty="0" smtClean="0"/>
+              <a:t>Seven</a:t>
+            </a:r>
+            <a:r>
+              <a:rPr lang="zh-TW" altLang="en-US" dirty="0" smtClean="0"/>
+              <a:t>在同一份表單上填姓名、住址</a:t>
+            </a:r>
+            <a:r>
+              <a:rPr lang="en-US" altLang="zh-TW" dirty="0" smtClean="0"/>
+              <a:t>…)</a:t>
+            </a:r>
+            <a:r>
+              <a:rPr lang="zh-TW" altLang="en-US" dirty="0" smtClean="0"/>
+              <a:t>一次性</a:t>
+            </a:r>
+            <a:r>
+              <a:rPr lang="en-US" altLang="zh-TW" dirty="0" smtClean="0"/>
+              <a:t>submit</a:t>
+            </a:r>
+            <a:r>
+              <a:rPr lang="zh-TW" altLang="en-US" dirty="0" smtClean="0"/>
+              <a:t>並匯入資料庫</a:t>
+            </a:r>
+            <a:r>
+              <a:rPr lang="en-US" altLang="zh-TW" dirty="0" smtClean="0"/>
+              <a:t>----HARD</a:t>
+            </a:r>
+          </a:p>
+          <a:p>
+            <a:pPr marL="514350" indent="-514350">
+              <a:buFont typeface="+mj-lt"/>
+              <a:buAutoNum type="arabicPeriod"/>
+            </a:pPr>
+            <a:r>
+              <a:rPr lang="en-US" altLang="zh-TW" dirty="0" smtClean="0"/>
+              <a:t>SVG(</a:t>
+            </a:r>
+            <a:r>
+              <a:rPr lang="zh-TW" altLang="en-US" dirty="0" smtClean="0"/>
+              <a:t>類似</a:t>
+            </a:r>
+            <a:r>
+              <a:rPr lang="en-US" altLang="zh-TW" dirty="0" smtClean="0"/>
+              <a:t>CANVAS)</a:t>
+            </a:r>
+            <a:r>
+              <a:rPr lang="zh-TW" altLang="en-US" dirty="0" smtClean="0"/>
+              <a:t>如何透過點擊螢幕取得</a:t>
+            </a:r>
+            <a:r>
+              <a:rPr lang="en-US" altLang="zh-TW" dirty="0" smtClean="0"/>
+              <a:t>x</a:t>
+            </a:r>
+            <a:r>
+              <a:rPr lang="zh-TW" altLang="en-US" dirty="0" smtClean="0"/>
+              <a:t>、</a:t>
+            </a:r>
+            <a:r>
+              <a:rPr lang="en-US" altLang="zh-TW" dirty="0" smtClean="0"/>
+              <a:t>y</a:t>
+            </a:r>
+            <a:r>
+              <a:rPr lang="zh-TW" altLang="en-US" dirty="0" smtClean="0"/>
+              <a:t>並繪製</a:t>
+            </a:r>
+            <a:endParaRPr lang="en-US" altLang="zh-TW" dirty="0" smtClean="0"/>
+          </a:p>
+          <a:p>
+            <a:pPr marL="514350" indent="-514350">
+              <a:buFont typeface="+mj-lt"/>
+              <a:buAutoNum type="arabicPeriod"/>
+            </a:pPr>
+            <a:endParaRPr lang="zh-TW" altLang="en-US" dirty="0"/>
+          </a:p>
+        </p:txBody>
+      </p:sp>
+    </p:spTree>
+    <p:extLst>
+      <p:ext uri="{BB962C8B-B14F-4D97-AF65-F5344CB8AC3E}">
+        <p14:creationId xmlns:p14="http://schemas.microsoft.com/office/powerpoint/2010/main" val="98041031"/>
+      </p:ext>
+    </p:extLst>
+  </p:cSld>
+  <p:clrMapOvr>
+    <a:masterClrMapping/>
+  </p:clrMapOvr>
+  <p:timing>
+    <p:tnLst>
+      <p:par>
+        <p:cTn id="1" dur="indefinite" restart="never" nodeType="tmRoot"/>
+      </p:par>
+    </p:tnLst>
+  </p:timing>
+</p:sld>
+</file>
+
+<file path=ppt/slides/slide9.xml><?xml version="1.0" encoding="utf-8"?>
+<p:sld xmlns:a="http://schemas.openxmlformats.org/drawingml/2006/main" xmlns:r="http://schemas.openxmlformats.org/officeDocument/2006/relationships" xmlns:p="http://schemas.openxmlformats.org/presentationml/2006/main">
+  <p:cSld>
+    <p:spTree>
+      <p:nvGrpSpPr>
+        <p:cNvPr id="1" name=""/>
+        <p:cNvGrpSpPr/>
+        <p:nvPr/>
+      </p:nvGrpSpPr>
+      <p:grpSpPr>
+        <a:xfrm>
+          <a:off x="0" y="0"/>
+          <a:ext cx="0" cy="0"/>
+          <a:chOff x="0" y="0"/>
+          <a:chExt cx="0" cy="0"/>
+        </a:xfrm>
+      </p:grpSpPr>
+      <p:sp>
+        <p:nvSpPr>
+          <p:cNvPr id="2" name="標題 1"/>
+          <p:cNvSpPr>
+            <a:spLocks noGrp="1"/>
+          </p:cNvSpPr>
+          <p:nvPr>
+            <p:ph type="title"/>
+          </p:nvPr>
+        </p:nvSpPr>
+        <p:spPr/>
+        <p:txBody>
+          <a:bodyPr/>
+          <a:lstStyle/>
+          <a:p>
+            <a:r>
+              <a:rPr lang="en-US" altLang="zh-TW" dirty="0" smtClean="0"/>
               <a:t>4.DEMO</a:t>
             </a:r>
             <a:endParaRPr lang="zh-TW" altLang="en-US" dirty="0"/>
@@ -5710,13 +6933,7 @@
               <a:rPr lang="en-US" altLang="zh-TW">
                 <a:hlinkClick r:id="rId2"/>
               </a:rPr>
-              <a:t>http://</a:t>
-            </a:r>
-            <a:r>
-              <a:rPr lang="en-US" altLang="zh-TW">
-                <a:hlinkClick r:id="rId2"/>
-              </a:rPr>
-              <a:t>127.0.0.1/bsk</a:t>
+              <a:t>http://127.0.0.1/bsk</a:t>
             </a:r>
             <a:r>
               <a:rPr lang="en-US" altLang="zh-TW" smtClean="0">

--- a/小專_7.pptx
+++ b/小專_7.pptx
@@ -9,12 +9,11 @@
     <p:sldId id="258" r:id="rId3"/>
     <p:sldId id="259" r:id="rId4"/>
     <p:sldId id="262" r:id="rId5"/>
-    <p:sldId id="265" r:id="rId6"/>
+    <p:sldId id="266" r:id="rId6"/>
     <p:sldId id="257" r:id="rId7"/>
-    <p:sldId id="260" r:id="rId8"/>
-    <p:sldId id="264" r:id="rId9"/>
+    <p:sldId id="264" r:id="rId8"/>
+    <p:sldId id="267" r:id="rId9"/>
     <p:sldId id="261" r:id="rId10"/>
-    <p:sldId id="263" r:id="rId11"/>
   </p:sldIdLst>
   <p:sldSz cx="9144000" cy="6858000" type="screen4x3"/>
   <p:notesSz cx="6858000" cy="9144000"/>
@@ -361,7 +360,7 @@
           <a:p>
             <a:fld id="{5BBEAD13-0566-4C6C-97E7-55F17F24B09F}" type="datetimeFigureOut">
               <a:rPr lang="zh-TW" altLang="en-US" smtClean="0"/>
-              <a:t>2017/6/15</a:t>
+              <a:t>2017/6/21</a:t>
             </a:fld>
             <a:endParaRPr lang="zh-TW" altLang="en-US"/>
           </a:p>
@@ -526,7 +525,7 @@
           <a:p>
             <a:fld id="{5BBEAD13-0566-4C6C-97E7-55F17F24B09F}" type="datetimeFigureOut">
               <a:rPr lang="zh-TW" altLang="en-US" smtClean="0"/>
-              <a:t>2017/6/15</a:t>
+              <a:t>2017/6/21</a:t>
             </a:fld>
             <a:endParaRPr lang="zh-TW" altLang="en-US"/>
           </a:p>
@@ -765,7 +764,7 @@
           <a:p>
             <a:fld id="{5BBEAD13-0566-4C6C-97E7-55F17F24B09F}" type="datetimeFigureOut">
               <a:rPr lang="zh-TW" altLang="en-US" smtClean="0"/>
-              <a:t>2017/6/15</a:t>
+              <a:t>2017/6/21</a:t>
             </a:fld>
             <a:endParaRPr lang="zh-TW" altLang="en-US"/>
           </a:p>
@@ -999,7 +998,7 @@
           <a:p>
             <a:fld id="{5BBEAD13-0566-4C6C-97E7-55F17F24B09F}" type="datetimeFigureOut">
               <a:rPr lang="zh-TW" altLang="en-US" smtClean="0"/>
-              <a:t>2017/6/15</a:t>
+              <a:t>2017/6/21</a:t>
             </a:fld>
             <a:endParaRPr lang="zh-TW" altLang="en-US"/>
           </a:p>
@@ -1338,7 +1337,7 @@
           <a:p>
             <a:fld id="{5BBEAD13-0566-4C6C-97E7-55F17F24B09F}" type="datetimeFigureOut">
               <a:rPr lang="zh-TW" altLang="en-US" smtClean="0"/>
-              <a:t>2017/6/15</a:t>
+              <a:t>2017/6/21</a:t>
             </a:fld>
             <a:endParaRPr lang="zh-TW" altLang="en-US"/>
           </a:p>
@@ -1685,7 +1684,7 @@
           <a:p>
             <a:fld id="{5BBEAD13-0566-4C6C-97E7-55F17F24B09F}" type="datetimeFigureOut">
               <a:rPr lang="zh-TW" altLang="en-US" smtClean="0"/>
-              <a:t>2017/6/15</a:t>
+              <a:t>2017/6/21</a:t>
             </a:fld>
             <a:endParaRPr lang="zh-TW" altLang="en-US"/>
           </a:p>
@@ -2246,7 +2245,7 @@
           <a:p>
             <a:fld id="{5BBEAD13-0566-4C6C-97E7-55F17F24B09F}" type="datetimeFigureOut">
               <a:rPr lang="zh-TW" altLang="en-US" smtClean="0"/>
-              <a:t>2017/6/15</a:t>
+              <a:t>2017/6/21</a:t>
             </a:fld>
             <a:endParaRPr lang="zh-TW" altLang="en-US"/>
           </a:p>
@@ -2423,7 +2422,7 @@
           <a:p>
             <a:fld id="{5BBEAD13-0566-4C6C-97E7-55F17F24B09F}" type="datetimeFigureOut">
               <a:rPr lang="zh-TW" altLang="en-US" smtClean="0"/>
-              <a:t>2017/6/15</a:t>
+              <a:t>2017/6/21</a:t>
             </a:fld>
             <a:endParaRPr lang="zh-TW" altLang="en-US"/>
           </a:p>
@@ -2518,7 +2517,7 @@
           <a:p>
             <a:fld id="{5BBEAD13-0566-4C6C-97E7-55F17F24B09F}" type="datetimeFigureOut">
               <a:rPr lang="zh-TW" altLang="en-US" smtClean="0"/>
-              <a:t>2017/6/15</a:t>
+              <a:t>2017/6/21</a:t>
             </a:fld>
             <a:endParaRPr lang="zh-TW" altLang="en-US"/>
           </a:p>
@@ -2883,7 +2882,7 @@
           <a:p>
             <a:fld id="{5BBEAD13-0566-4C6C-97E7-55F17F24B09F}" type="datetimeFigureOut">
               <a:rPr lang="zh-TW" altLang="en-US" smtClean="0"/>
-              <a:t>2017/6/15</a:t>
+              <a:t>2017/6/21</a:t>
             </a:fld>
             <a:endParaRPr lang="zh-TW" altLang="en-US"/>
           </a:p>
@@ -3227,7 +3226,7 @@
           <a:p>
             <a:fld id="{5BBEAD13-0566-4C6C-97E7-55F17F24B09F}" type="datetimeFigureOut">
               <a:rPr lang="zh-TW" altLang="en-US" smtClean="0"/>
-              <a:t>2017/6/15</a:t>
+              <a:t>2017/6/21</a:t>
             </a:fld>
             <a:endParaRPr lang="zh-TW" altLang="en-US"/>
           </a:p>
@@ -3498,7 +3497,7 @@
           <a:p>
             <a:fld id="{5BBEAD13-0566-4C6C-97E7-55F17F24B09F}" type="datetimeFigureOut">
               <a:rPr lang="zh-TW" altLang="en-US" smtClean="0"/>
-              <a:t>2017/6/15</a:t>
+              <a:t>2017/6/21</a:t>
             </a:fld>
             <a:endParaRPr lang="zh-TW" altLang="en-US"/>
           </a:p>
@@ -4042,7 +4041,7 @@
             </a:br>
             <a:r>
               <a:rPr lang="zh-TW" altLang="en-US" dirty="0" smtClean="0"/>
-              <a:t>投籃分布產生器</a:t>
+              <a:t>投籃分佈產生器</a:t>
             </a:r>
             <a:endParaRPr lang="zh-TW" altLang="en-US" dirty="0"/>
           </a:p>
@@ -4082,62 +4081,6 @@
     <p:extLst>
       <p:ext uri="{BB962C8B-B14F-4D97-AF65-F5344CB8AC3E}">
         <p14:creationId xmlns:p14="http://schemas.microsoft.com/office/powerpoint/2010/main" val="3375952328"/>
-      </p:ext>
-    </p:extLst>
-  </p:cSld>
-  <p:clrMapOvr>
-    <a:masterClrMapping/>
-  </p:clrMapOvr>
-  <p:timing>
-    <p:tnLst>
-      <p:par>
-        <p:cTn id="1" dur="indefinite" restart="never" nodeType="tmRoot"/>
-      </p:par>
-    </p:tnLst>
-  </p:timing>
-</p:sld>
-</file>
-
-<file path=ppt/slides/slide10.xml><?xml version="1.0" encoding="utf-8"?>
-<p:sld xmlns:a="http://schemas.openxmlformats.org/drawingml/2006/main" xmlns:r="http://schemas.openxmlformats.org/officeDocument/2006/relationships" xmlns:p="http://schemas.openxmlformats.org/presentationml/2006/main">
-  <p:cSld>
-    <p:spTree>
-      <p:nvGrpSpPr>
-        <p:cNvPr id="1" name=""/>
-        <p:cNvGrpSpPr/>
-        <p:nvPr/>
-      </p:nvGrpSpPr>
-      <p:grpSpPr>
-        <a:xfrm>
-          <a:off x="0" y="0"/>
-          <a:ext cx="0" cy="0"/>
-          <a:chOff x="0" y="0"/>
-          <a:chExt cx="0" cy="0"/>
-        </a:xfrm>
-      </p:grpSpPr>
-      <p:sp>
-        <p:nvSpPr>
-          <p:cNvPr id="2" name="標題 1"/>
-          <p:cNvSpPr>
-            <a:spLocks noGrp="1"/>
-          </p:cNvSpPr>
-          <p:nvPr>
-            <p:ph type="title"/>
-          </p:nvPr>
-        </p:nvSpPr>
-        <p:spPr/>
-        <p:txBody>
-          <a:bodyPr/>
-          <a:lstStyle/>
-          <a:p>
-            <a:endParaRPr lang="zh-TW" altLang="en-US"/>
-          </a:p>
-        </p:txBody>
-      </p:sp>
-    </p:spTree>
-    <p:extLst>
-      <p:ext uri="{BB962C8B-B14F-4D97-AF65-F5344CB8AC3E}">
-        <p14:creationId xmlns:p14="http://schemas.microsoft.com/office/powerpoint/2010/main" val="2468672413"/>
       </p:ext>
     </p:extLst>
   </p:cSld>
@@ -4226,11 +4169,7 @@
             </a:pPr>
             <a:r>
               <a:rPr lang="zh-TW" altLang="en-US" dirty="0" smtClean="0"/>
-              <a:t>程式語言及</a:t>
-            </a:r>
-            <a:r>
-              <a:rPr lang="zh-TW" altLang="en-US" dirty="0" smtClean="0"/>
-              <a:t>工具</a:t>
+              <a:t>設計邏輯</a:t>
             </a:r>
             <a:endParaRPr lang="en-US" altLang="zh-TW" dirty="0" smtClean="0"/>
           </a:p>
@@ -4241,7 +4180,11 @@
             </a:pPr>
             <a:r>
               <a:rPr lang="zh-TW" altLang="en-US" dirty="0"/>
-              <a:t>設計邏輯</a:t>
+              <a:t>程式語言及</a:t>
+            </a:r>
+            <a:r>
+              <a:rPr lang="zh-TW" altLang="en-US" dirty="0" smtClean="0"/>
+              <a:t>工具</a:t>
             </a:r>
             <a:endParaRPr lang="en-US" altLang="zh-TW" dirty="0" smtClean="0"/>
           </a:p>
@@ -4364,8 +4307,12 @@
               <a:buAutoNum type="arabicPeriod"/>
             </a:pPr>
             <a:r>
+              <a:rPr lang="zh-TW" altLang="en-US" dirty="0"/>
+              <a:t>攻守數據</a:t>
+            </a:r>
+            <a:r>
               <a:rPr lang="zh-TW" altLang="en-US" dirty="0" smtClean="0"/>
-              <a:t>投籃分布圖</a:t>
+              <a:t>表</a:t>
             </a:r>
             <a:endParaRPr lang="en-US" altLang="zh-TW" dirty="0" smtClean="0"/>
           </a:p>
@@ -4376,9 +4323,17 @@
             </a:pPr>
             <a:r>
               <a:rPr lang="zh-TW" altLang="en-US" dirty="0" smtClean="0"/>
-              <a:t>攻守數據表</a:t>
-            </a:r>
-            <a:endParaRPr lang="zh-TW" altLang="en-US" dirty="0"/>
+              <a:t>投籃</a:t>
+            </a:r>
+            <a:r>
+              <a:rPr lang="zh-TW" altLang="en-US" dirty="0" smtClean="0"/>
+              <a:t>分布</a:t>
+            </a:r>
+            <a:r>
+              <a:rPr lang="zh-TW" altLang="en-US" dirty="0" smtClean="0"/>
+              <a:t>圖</a:t>
+            </a:r>
+            <a:endParaRPr lang="en-US" altLang="zh-TW" dirty="0" smtClean="0"/>
           </a:p>
         </p:txBody>
       </p:sp>
@@ -4425,7 +4380,7 @@
       </p:pic>
       <p:pic>
         <p:nvPicPr>
-          <p:cNvPr id="1027" name="Picture 3" descr="C:\Users\Seven\Desktop\127972659.jpg"/>
+          <p:cNvPr id="1028" name="Picture 4" descr="C:\Users\Seven\Desktop\1188795048.jpg"/>
           <p:cNvPicPr>
             <a:picLocks noChangeAspect="1" noChangeArrowheads="1"/>
           </p:cNvPicPr>
@@ -4446,8 +4401,8 @@
         </p:blipFill>
         <p:spPr bwMode="auto">
           <a:xfrm>
-            <a:off x="3203848" y="2348880"/>
-            <a:ext cx="5852160" cy="2761488"/>
+            <a:off x="3111689" y="2289211"/>
+            <a:ext cx="6047656" cy="2711366"/>
           </a:xfrm>
           <a:prstGeom prst="rect">
             <a:avLst/>
@@ -4466,7 +4421,7 @@
       </p:pic>
       <p:pic>
         <p:nvPicPr>
-          <p:cNvPr id="1028" name="Picture 4" descr="C:\Users\Seven\Desktop\1188795048.jpg"/>
+          <p:cNvPr id="4" name="Picture 2" descr="C:\Users\Seven\Desktop\2593485.jpg"/>
           <p:cNvPicPr>
             <a:picLocks noChangeAspect="1" noChangeArrowheads="1"/>
           </p:cNvPicPr>
@@ -4487,8 +4442,49 @@
         </p:blipFill>
         <p:spPr bwMode="auto">
           <a:xfrm>
-            <a:off x="3203848" y="3068960"/>
-            <a:ext cx="6047656" cy="2711366"/>
+            <a:off x="3498304" y="1984812"/>
+            <a:ext cx="5819800" cy="3026296"/>
+          </a:xfrm>
+          <a:prstGeom prst="rect">
+            <a:avLst/>
+          </a:prstGeom>
+          <a:noFill/>
+          <a:extLst>
+            <a:ext uri="{909E8E84-426E-40DD-AFC4-6F175D3DCCD1}">
+              <a14:hiddenFill xmlns:a14="http://schemas.microsoft.com/office/drawing/2010/main">
+                <a:solidFill>
+                  <a:srgbClr val="FFFFFF"/>
+                </a:solidFill>
+              </a14:hiddenFill>
+            </a:ext>
+          </a:extLst>
+        </p:spPr>
+      </p:pic>
+      <p:pic>
+        <p:nvPicPr>
+          <p:cNvPr id="1027" name="Picture 3" descr="C:\Users\Seven\Desktop\127972659.jpg"/>
+          <p:cNvPicPr>
+            <a:picLocks noChangeAspect="1" noChangeArrowheads="1"/>
+          </p:cNvPicPr>
+          <p:nvPr/>
+        </p:nvPicPr>
+        <p:blipFill>
+          <a:blip r:embed="rId5">
+            <a:extLst>
+              <a:ext uri="{28A0092B-C50C-407E-A947-70E740481C1C}">
+                <a14:useLocalDpi xmlns:a14="http://schemas.microsoft.com/office/drawing/2010/main" val="0"/>
+              </a:ext>
+            </a:extLst>
+          </a:blip>
+          <a:srcRect/>
+          <a:stretch>
+            <a:fillRect/>
+          </a:stretch>
+        </p:blipFill>
+        <p:spPr bwMode="auto">
+          <a:xfrm>
+            <a:off x="3465944" y="2588316"/>
+            <a:ext cx="5852160" cy="2761488"/>
           </a:xfrm>
           <a:prstGeom prst="rect">
             <a:avLst/>
@@ -4602,7 +4598,7 @@
                                           </p:stCondLst>
                                         </p:cTn>
                                         <p:tgtEl>
-                                          <p:spTgt spid="1027"/>
+                                          <p:spTgt spid="1028"/>
                                         </p:tgtEl>
                                         <p:attrNameLst>
                                           <p:attrName>style.visibility</p:attrName>
@@ -4616,7 +4612,7 @@
                                       <p:cBhvr>
                                         <p:cTn id="12" dur="500"/>
                                         <p:tgtEl>
-                                          <p:spTgt spid="1027"/>
+                                          <p:spTgt spid="1028"/>
                                         </p:tgtEl>
                                       </p:cBhvr>
                                     </p:animEffect>
@@ -4655,7 +4651,7 @@
                                           </p:stCondLst>
                                         </p:cTn>
                                         <p:tgtEl>
-                                          <p:spTgt spid="1028"/>
+                                          <p:spTgt spid="4"/>
                                         </p:tgtEl>
                                         <p:attrNameLst>
                                           <p:attrName>style.visibility</p:attrName>
@@ -4669,7 +4665,60 @@
                                       <p:cBhvr>
                                         <p:cTn id="17" dur="500"/>
                                         <p:tgtEl>
-                                          <p:spTgt spid="1028"/>
+                                          <p:spTgt spid="4"/>
+                                        </p:tgtEl>
+                                      </p:cBhvr>
+                                    </p:animEffect>
+                                  </p:childTnLst>
+                                </p:cTn>
+                              </p:par>
+                            </p:childTnLst>
+                          </p:cTn>
+                        </p:par>
+                      </p:childTnLst>
+                    </p:cTn>
+                  </p:par>
+                  <p:par>
+                    <p:cTn id="18" fill="hold">
+                      <p:stCondLst>
+                        <p:cond delay="indefinite"/>
+                      </p:stCondLst>
+                      <p:childTnLst>
+                        <p:par>
+                          <p:cTn id="19" fill="hold">
+                            <p:stCondLst>
+                              <p:cond delay="0"/>
+                            </p:stCondLst>
+                            <p:childTnLst>
+                              <p:par>
+                                <p:cTn id="20" presetID="16" presetClass="entr" presetSubtype="21" fill="hold" nodeType="clickEffect">
+                                  <p:stCondLst>
+                                    <p:cond delay="0"/>
+                                  </p:stCondLst>
+                                  <p:childTnLst>
+                                    <p:set>
+                                      <p:cBhvr>
+                                        <p:cTn id="21" dur="1" fill="hold">
+                                          <p:stCondLst>
+                                            <p:cond delay="0"/>
+                                          </p:stCondLst>
+                                        </p:cTn>
+                                        <p:tgtEl>
+                                          <p:spTgt spid="1027"/>
+                                        </p:tgtEl>
+                                        <p:attrNameLst>
+                                          <p:attrName>style.visibility</p:attrName>
+                                        </p:attrNameLst>
+                                      </p:cBhvr>
+                                      <p:to>
+                                        <p:strVal val="visible"/>
+                                      </p:to>
+                                    </p:set>
+                                    <p:animEffect transition="in" filter="barn(inVertical)">
+                                      <p:cBhvr>
+                                        <p:cTn id="22" dur="500"/>
+                                        <p:tgtEl>
+                                          <p:spTgt spid="1027"/>
                                         </p:tgtEl>
                                       </p:cBhvr>
                                     </p:animEffect>
@@ -5317,10 +5366,17 @@
           <a:lstStyle/>
           <a:p>
             <a:r>
+              <a:rPr lang="en-US" altLang="zh-TW" dirty="0" smtClean="0"/>
+              <a:t>2.</a:t>
+            </a:r>
+            <a:r>
               <a:rPr lang="zh-TW" altLang="en-US" dirty="0" smtClean="0"/>
-              <a:t>設計邏輯</a:t>
-            </a:r>
-            <a:endParaRPr lang="zh-TW" altLang="en-US" dirty="0"/>
+              <a:t>設計</a:t>
+            </a:r>
+            <a:r>
+              <a:rPr lang="zh-TW" altLang="en-US" dirty="0"/>
+              <a:t>邏輯</a:t>
+            </a:r>
           </a:p>
         </p:txBody>
       </p:sp>
@@ -5345,21 +5401,46 @@
             </a:pPr>
             <a:r>
               <a:rPr lang="zh-TW" altLang="en-US" dirty="0" smtClean="0"/>
-              <a:t>創建</a:t>
-            </a:r>
-            <a:r>
-              <a:rPr lang="en-US" altLang="zh-TW" dirty="0" smtClean="0"/>
-              <a:t>GAME----</a:t>
-            </a:r>
-            <a:r>
-              <a:rPr lang="zh-TW" altLang="en-US" dirty="0" smtClean="0"/>
-              <a:t>取得</a:t>
-            </a:r>
-            <a:r>
-              <a:rPr lang="en-US" altLang="zh-TW" dirty="0" err="1" smtClean="0"/>
-              <a:t>gameid</a:t>
+              <a:t>點擊畫面可繪製投進或投不進的圖示</a:t>
             </a:r>
             <a:endParaRPr lang="en-US" altLang="zh-TW" dirty="0" smtClean="0"/>
+          </a:p>
+          <a:p>
+            <a:pPr marL="914400" lvl="1" indent="-514350">
+              <a:buFont typeface="+mj-lt"/>
+              <a:buAutoNum type="arabicParenR"/>
+            </a:pPr>
+            <a:r>
+              <a:rPr lang="zh-TW" altLang="en-US" sz="2000" dirty="0" smtClean="0"/>
+              <a:t>抓取</a:t>
+            </a:r>
+            <a:r>
+              <a:rPr lang="en-US" altLang="zh-TW" sz="2000" dirty="0" smtClean="0"/>
+              <a:t>x</a:t>
+            </a:r>
+            <a:r>
+              <a:rPr lang="zh-TW" altLang="en-US" sz="2000" dirty="0" smtClean="0"/>
+              <a:t>、</a:t>
+            </a:r>
+            <a:r>
+              <a:rPr lang="en-US" altLang="zh-TW" sz="2000" dirty="0" smtClean="0"/>
+              <a:t>y</a:t>
+            </a:r>
+          </a:p>
+          <a:p>
+            <a:pPr marL="914400" lvl="1" indent="-514350">
+              <a:buFont typeface="+mj-lt"/>
+              <a:buAutoNum type="arabicParenR"/>
+            </a:pPr>
+            <a:r>
+              <a:rPr lang="en-US" altLang="zh-TW" sz="2000" dirty="0" smtClean="0"/>
+              <a:t>SVG</a:t>
+            </a:r>
+            <a:r>
+              <a:rPr lang="zh-TW" altLang="en-US" sz="2000" dirty="0" smtClean="0"/>
+              <a:t>繪製</a:t>
+            </a:r>
+            <a:endParaRPr lang="en-US" altLang="zh-TW" sz="2000" dirty="0" smtClean="0"/>
           </a:p>
           <a:p>
             <a:pPr marL="514350" indent="-514350">
@@ -5368,21 +5449,20 @@
             </a:pPr>
             <a:r>
               <a:rPr lang="zh-TW" altLang="en-US" dirty="0" smtClean="0"/>
-              <a:t>創建</a:t>
-            </a:r>
-            <a:r>
-              <a:rPr lang="en-US" altLang="zh-TW" dirty="0" smtClean="0"/>
-              <a:t>Player-----</a:t>
-            </a:r>
-            <a:r>
-              <a:rPr lang="zh-TW" altLang="en-US" dirty="0" smtClean="0"/>
-              <a:t>取得</a:t>
-            </a:r>
-            <a:r>
-              <a:rPr lang="en-US" altLang="zh-TW" dirty="0" err="1" smtClean="0"/>
-              <a:t>playernumber</a:t>
+              <a:t>可依據球員分別記錄投籃結果</a:t>
             </a:r>
             <a:endParaRPr lang="en-US" altLang="zh-TW" dirty="0" smtClean="0"/>
+          </a:p>
+          <a:p>
+            <a:pPr marL="914400" lvl="1" indent="-514350">
+              <a:buFont typeface="+mj-lt"/>
+              <a:buAutoNum type="arabicParenR"/>
+            </a:pPr>
+            <a:r>
+              <a:rPr lang="zh-TW" altLang="en-US" sz="2000" dirty="0" smtClean="0"/>
+              <a:t>投籃資料存入資料庫</a:t>
+            </a:r>
+            <a:endParaRPr lang="en-US" altLang="zh-TW" sz="2000" dirty="0" smtClean="0"/>
           </a:p>
           <a:p>
             <a:pPr marL="514350" indent="-514350">
@@ -5390,103 +5470,36 @@
               <a:buAutoNum type="arabicPeriod"/>
             </a:pPr>
             <a:r>
+              <a:rPr lang="zh-TW" altLang="en-US" dirty="0"/>
+              <a:t>切換球員</a:t>
+            </a:r>
+            <a:r>
               <a:rPr lang="zh-TW" altLang="en-US" dirty="0" smtClean="0"/>
-              <a:t>判斷</a:t>
-            </a:r>
-            <a:r>
-              <a:rPr lang="en-US" altLang="zh-TW" dirty="0" smtClean="0"/>
-              <a:t>Game</a:t>
-            </a:r>
-            <a:r>
-              <a:rPr lang="zh-TW" altLang="en-US" dirty="0" smtClean="0"/>
-              <a:t>及</a:t>
-            </a:r>
-            <a:r>
-              <a:rPr lang="en-US" altLang="zh-TW" dirty="0" smtClean="0"/>
-              <a:t>Player</a:t>
-            </a:r>
-          </a:p>
-          <a:p>
-            <a:pPr marL="514350" indent="-514350">
-              <a:buFont typeface="+mj-lt"/>
-              <a:buAutoNum type="arabicPeriod"/>
-            </a:pPr>
-            <a:r>
-              <a:rPr lang="zh-TW" altLang="en-US" dirty="0" smtClean="0"/>
-              <a:t>依據選擇之球員取得滑鼠點擊</a:t>
-            </a:r>
-            <a:r>
-              <a:rPr lang="en-US" altLang="zh-TW" dirty="0" smtClean="0"/>
-              <a:t>x</a:t>
-            </a:r>
-            <a:r>
-              <a:rPr lang="zh-TW" altLang="en-US" dirty="0" smtClean="0"/>
-              <a:t>、</a:t>
-            </a:r>
-            <a:r>
-              <a:rPr lang="en-US" altLang="zh-TW" dirty="0" smtClean="0"/>
-              <a:t>y</a:t>
-            </a:r>
-            <a:r>
-              <a:rPr lang="zh-TW" altLang="en-US" dirty="0" smtClean="0"/>
-              <a:t>資料</a:t>
+              <a:t>可帶出投籃歷史紀錄</a:t>
             </a:r>
             <a:endParaRPr lang="en-US" altLang="zh-TW" dirty="0" smtClean="0"/>
           </a:p>
           <a:p>
-            <a:pPr marL="971550" lvl="1" indent="-514350">
+            <a:pPr marL="914400" lvl="1" indent="-514350">
               <a:buFont typeface="+mj-lt"/>
               <a:buAutoNum type="arabicParenR"/>
             </a:pPr>
             <a:r>
-              <a:rPr lang="zh-TW" altLang="en-US" dirty="0" smtClean="0"/>
-              <a:t>判斷為單擊或雙擊事件</a:t>
-            </a:r>
-            <a:r>
-              <a:rPr lang="en-US" altLang="zh-TW" dirty="0" smtClean="0"/>
-              <a:t>(</a:t>
-            </a:r>
-            <a:r>
-              <a:rPr lang="zh-TW" altLang="en-US" dirty="0" smtClean="0"/>
-              <a:t>投進或沒投進</a:t>
-            </a:r>
-            <a:r>
-              <a:rPr lang="en-US" altLang="zh-TW" dirty="0" smtClean="0"/>
-              <a:t>)</a:t>
-            </a:r>
-          </a:p>
-          <a:p>
-            <a:pPr marL="971550" lvl="1" indent="-514350">
-              <a:buFont typeface="+mj-lt"/>
-              <a:buAutoNum type="arabicParenR"/>
-            </a:pPr>
-            <a:r>
-              <a:rPr lang="zh-TW" altLang="en-US" dirty="0" smtClean="0"/>
-              <a:t>即時繪製並匯入資料庫</a:t>
-            </a:r>
-            <a:endParaRPr lang="en-US" altLang="zh-TW" dirty="0" smtClean="0"/>
-          </a:p>
-          <a:p>
-            <a:pPr marL="514350" indent="-514350">
-              <a:buFont typeface="+mj-lt"/>
-              <a:buAutoNum type="arabicPeriod"/>
-            </a:pPr>
-            <a:r>
-              <a:rPr lang="zh-TW" altLang="en-US" dirty="0"/>
-              <a:t>選取</a:t>
-            </a:r>
-            <a:r>
-              <a:rPr lang="zh-TW" altLang="en-US" dirty="0" smtClean="0"/>
-              <a:t>球員抓取資料庫內投籃資料</a:t>
-            </a:r>
-            <a:endParaRPr lang="zh-TW" altLang="en-US" dirty="0"/>
+              <a:rPr lang="en-US" altLang="zh-TW" sz="2000" dirty="0" smtClean="0"/>
+              <a:t>AJAX</a:t>
+            </a:r>
+            <a:r>
+              <a:rPr lang="zh-TW" altLang="en-US" sz="2000" dirty="0" smtClean="0"/>
+              <a:t>方式抓取資料庫資料</a:t>
+            </a:r>
+            <a:endParaRPr lang="zh-TW" altLang="en-US" sz="2000" dirty="0"/>
           </a:p>
         </p:txBody>
       </p:sp>
     </p:spTree>
     <p:extLst>
       <p:ext uri="{BB962C8B-B14F-4D97-AF65-F5344CB8AC3E}">
-        <p14:creationId xmlns:p14="http://schemas.microsoft.com/office/powerpoint/2010/main" val="399279849"/>
+        <p14:creationId xmlns:p14="http://schemas.microsoft.com/office/powerpoint/2010/main" val="418385184"/>
       </p:ext>
     </p:extLst>
   </p:cSld>
@@ -5536,8 +5549,12 @@
           <a:lstStyle/>
           <a:p>
             <a:r>
+              <a:rPr lang="en-US" altLang="zh-TW" dirty="0"/>
+              <a:t>3</a:t>
+            </a:r>
+            <a:r>
               <a:rPr lang="en-US" altLang="zh-TW" dirty="0" smtClean="0"/>
-              <a:t>2.</a:t>
+              <a:t>.</a:t>
             </a:r>
             <a:r>
               <a:rPr lang="zh-TW" altLang="en-US" dirty="0" smtClean="0"/>
@@ -5560,7 +5577,7 @@
         <p:spPr/>
         <p:txBody>
           <a:bodyPr>
-            <a:normAutofit fontScale="77500" lnSpcReduction="20000"/>
+            <a:normAutofit fontScale="70000" lnSpcReduction="20000"/>
           </a:bodyPr>
           <a:lstStyle/>
           <a:p>
@@ -5607,6 +5624,16 @@
               <a:rPr lang="en-US" altLang="zh-TW" dirty="0" smtClean="0"/>
               <a:t>jQuery</a:t>
             </a:r>
+          </a:p>
+          <a:p>
+            <a:pPr marL="1371600" lvl="2" indent="-514350">
+              <a:buFont typeface="+mj-lt"/>
+              <a:buAutoNum type="arabicParenR"/>
+            </a:pPr>
+            <a:r>
+              <a:rPr lang="en-US" altLang="zh-TW" dirty="0" smtClean="0"/>
+              <a:t>AJAX</a:t>
+            </a:r>
             <a:endParaRPr lang="en-US" altLang="zh-TW" dirty="0" smtClean="0"/>
           </a:p>
           <a:p>
@@ -5618,12 +5645,11 @@
               <a:rPr lang="en-US" altLang="zh-TW" dirty="0" smtClean="0"/>
               <a:t>JavaScript</a:t>
             </a:r>
-            <a:endParaRPr lang="en-US" altLang="zh-TW" dirty="0" smtClean="0"/>
           </a:p>
           <a:p>
             <a:pPr marL="1371600" lvl="2" indent="-514350">
               <a:buFont typeface="+mj-lt"/>
-              <a:buAutoNum type="arabicPeriod"/>
+              <a:buAutoNum type="arabicParenR"/>
             </a:pPr>
             <a:r>
               <a:rPr lang="en-US" altLang="zh-TW" dirty="0" err="1" smtClean="0"/>
@@ -5634,7 +5660,7 @@
           <a:p>
             <a:pPr marL="1371600" lvl="2" indent="-514350">
               <a:buFont typeface="+mj-lt"/>
-              <a:buAutoNum type="arabicPeriod"/>
+              <a:buAutoNum type="arabicParenR"/>
             </a:pPr>
             <a:r>
               <a:rPr lang="en-US" altLang="zh-TW" dirty="0"/>
@@ -5644,12 +5670,11 @@
               <a:rPr lang="en-US" altLang="zh-TW" dirty="0" smtClean="0"/>
               <a:t>hange</a:t>
             </a:r>
-            <a:endParaRPr lang="en-US" altLang="zh-TW" dirty="0" smtClean="0"/>
           </a:p>
           <a:p>
             <a:pPr marL="1371600" lvl="2" indent="-514350">
               <a:buFont typeface="+mj-lt"/>
-              <a:buAutoNum type="arabicPeriod"/>
+              <a:buAutoNum type="arabicParenR"/>
             </a:pPr>
             <a:r>
               <a:rPr lang="en-US" altLang="zh-TW" dirty="0" smtClean="0"/>
@@ -5659,7 +5684,7 @@
           <a:p>
             <a:pPr marL="1371600" lvl="2" indent="-514350">
               <a:buFont typeface="+mj-lt"/>
-              <a:buAutoNum type="arabicPeriod"/>
+              <a:buAutoNum type="arabicParenR"/>
             </a:pPr>
             <a:r>
               <a:rPr lang="en-US" altLang="zh-TW" dirty="0" err="1" smtClean="0"/>
@@ -5710,7 +5735,7 @@
           <a:p>
             <a:pPr marL="1371600" lvl="2" indent="-514350">
               <a:buFont typeface="+mj-lt"/>
-              <a:buAutoNum type="arabicPeriod"/>
+              <a:buAutoNum type="arabicParenR"/>
             </a:pPr>
             <a:r>
               <a:rPr lang="en-US" altLang="zh-TW" dirty="0" smtClean="0"/>
@@ -5739,7 +5764,6 @@
               <a:rPr lang="en-US" altLang="zh-TW" dirty="0" smtClean="0"/>
               <a:t>MySQL</a:t>
             </a:r>
-            <a:endParaRPr lang="en-US" altLang="zh-TW" dirty="0" smtClean="0"/>
           </a:p>
           <a:p>
             <a:pPr>
@@ -5803,12 +5827,16 @@
           <a:lstStyle/>
           <a:p>
             <a:r>
+              <a:rPr lang="en-US" altLang="zh-TW" dirty="0"/>
+              <a:t>4</a:t>
+            </a:r>
+            <a:r>
               <a:rPr lang="en-US" altLang="zh-TW" dirty="0" smtClean="0"/>
-              <a:t>3.</a:t>
+              <a:t>.</a:t>
             </a:r>
             <a:r>
               <a:rPr lang="zh-TW" altLang="en-US" dirty="0" smtClean="0"/>
-              <a:t>困難</a:t>
+              <a:t>困難及解決</a:t>
             </a:r>
             <a:endParaRPr lang="zh-TW" altLang="en-US" dirty="0"/>
           </a:p>
@@ -5827,35 +5855,9 @@
         <p:spPr/>
         <p:txBody>
           <a:bodyPr>
-            <a:normAutofit lnSpcReduction="10000"/>
+            <a:normAutofit fontScale="92500" lnSpcReduction="10000"/>
           </a:bodyPr>
           <a:lstStyle/>
-          <a:p>
-            <a:pPr marL="514350" lvl="1" indent="-514350">
-              <a:buFont typeface="+mj-lt"/>
-              <a:buAutoNum type="arabicPeriod"/>
-            </a:pPr>
-            <a:r>
-              <a:rPr lang="zh-TW" altLang="en-US" dirty="0" smtClean="0"/>
-              <a:t>傳遞參數不換頁</a:t>
-            </a:r>
-            <a:r>
-              <a:rPr lang="en-US" altLang="zh-TW" dirty="0"/>
-              <a:t>(</a:t>
-            </a:r>
-            <a:r>
-              <a:rPr lang="en-US" altLang="zh-TW" dirty="0" smtClean="0"/>
-              <a:t>jQuery </a:t>
-            </a:r>
-            <a:r>
-              <a:rPr lang="en-US" altLang="zh-TW" dirty="0" smtClean="0"/>
-              <a:t>AJAX</a:t>
-            </a:r>
-            <a:r>
-              <a:rPr lang="en-US" altLang="zh-TW" dirty="0" smtClean="0"/>
-              <a:t>)</a:t>
-            </a:r>
-          </a:p>
           <a:p>
             <a:pPr marL="514350" indent="-514350">
               <a:buFont typeface="+mj-lt"/>
@@ -5863,11 +5865,33 @@
             </a:pPr>
             <a:r>
               <a:rPr lang="zh-TW" altLang="en-US" dirty="0" smtClean="0"/>
+              <a:t>傳遞</a:t>
+            </a:r>
+            <a:r>
+              <a:rPr lang="zh-TW" altLang="en-US" dirty="0"/>
+              <a:t>參數不換頁</a:t>
+            </a:r>
+            <a:r>
+              <a:rPr lang="en-US" altLang="zh-TW" dirty="0"/>
+              <a:t>(jQuery AJAX)</a:t>
+            </a:r>
+          </a:p>
+          <a:p>
+            <a:pPr marL="514350" indent="-514350">
+              <a:buFont typeface="+mj-lt"/>
+              <a:buAutoNum type="arabicPeriod"/>
+            </a:pPr>
+            <a:r>
+              <a:rPr lang="zh-TW" altLang="en-US" dirty="0" smtClean="0"/>
               <a:t>參數</a:t>
             </a:r>
             <a:r>
               <a:rPr lang="zh-TW" altLang="en-US" dirty="0" smtClean="0"/>
-              <a:t>為陣列</a:t>
+              <a:t>為</a:t>
+            </a:r>
+            <a:r>
+              <a:rPr lang="zh-TW" altLang="en-US" dirty="0"/>
+              <a:t>陣列</a:t>
             </a:r>
             <a:r>
               <a:rPr lang="en-US" altLang="zh-TW" dirty="0" smtClean="0"/>
@@ -6014,8 +6038,19 @@
             </a:r>
             <a:r>
               <a:rPr lang="zh-TW" altLang="en-US" dirty="0" smtClean="0"/>
-              <a:t>並繪製</a:t>
-            </a:r>
+              <a:t>並</a:t>
+            </a:r>
+            <a:r>
+              <a:rPr lang="zh-TW" altLang="en-US" dirty="0" smtClean="0"/>
+              <a:t>繪製</a:t>
+            </a:r>
+            <a:endParaRPr lang="en-US" altLang="zh-TW" dirty="0" smtClean="0"/>
+          </a:p>
+          <a:p>
+            <a:pPr marL="514350" indent="-514350">
+              <a:buFont typeface="+mj-lt"/>
+              <a:buAutoNum type="arabicPeriod"/>
+            </a:pPr>
             <a:endParaRPr lang="en-US" altLang="zh-TW" dirty="0" smtClean="0"/>
           </a:p>
           <a:p>
@@ -6134,7 +6169,7 @@
       </p:grpSp>
       <p:sp>
         <p:nvSpPr>
-          <p:cNvPr id="10" name="框架 9"/>
+          <p:cNvPr id="7" name="框架 6"/>
           <p:cNvSpPr/>
           <p:nvPr/>
         </p:nvSpPr>
@@ -6181,13 +6216,13 @@
       </p:sp>
       <p:grpSp>
         <p:nvGrpSpPr>
-          <p:cNvPr id="7" name="群組 6"/>
+          <p:cNvPr id="8" name="群組 7"/>
           <p:cNvGrpSpPr/>
           <p:nvPr/>
         </p:nvGrpSpPr>
         <p:grpSpPr>
           <a:xfrm>
-            <a:off x="1135387" y="34296"/>
+            <a:off x="983331" y="9038"/>
             <a:ext cx="6788035" cy="4176464"/>
             <a:chOff x="-1200122" y="2220733"/>
             <a:chExt cx="6788035" cy="4176464"/>
@@ -6195,7 +6230,7 @@
         </p:grpSpPr>
         <p:pic>
           <p:nvPicPr>
-            <p:cNvPr id="8" name="Picture 2"/>
+            <p:cNvPr id="9" name="Picture 2"/>
             <p:cNvPicPr>
               <a:picLocks noChangeAspect="1" noChangeArrowheads="1"/>
             </p:cNvPicPr>
@@ -6247,7 +6282,7 @@
         </p:pic>
         <p:sp>
           <p:nvSpPr>
-            <p:cNvPr id="9" name="文字方塊 8"/>
+            <p:cNvPr id="10" name="文字方塊 9"/>
             <p:cNvSpPr txBox="1"/>
             <p:nvPr/>
           </p:nvSpPr>
@@ -6334,7 +6369,7 @@
     </p:spTree>
     <p:extLst>
       <p:ext uri="{BB962C8B-B14F-4D97-AF65-F5344CB8AC3E}">
-        <p14:creationId xmlns:p14="http://schemas.microsoft.com/office/powerpoint/2010/main" val="4229617174"/>
+        <p14:creationId xmlns:p14="http://schemas.microsoft.com/office/powerpoint/2010/main" val="98041031"/>
       </p:ext>
     </p:extLst>
   </p:cSld>
@@ -6375,7 +6410,7 @@
                                           </p:stCondLst>
                                         </p:cTn>
                                         <p:tgtEl>
-                                          <p:spTgt spid="7"/>
+                                          <p:spTgt spid="8"/>
                                         </p:tgtEl>
                                         <p:attrNameLst>
                                           <p:attrName>style.visibility</p:attrName>
@@ -6389,7 +6424,7 @@
                                       <p:cBhvr>
                                         <p:cTn id="7" dur="500"/>
                                         <p:tgtEl>
-                                          <p:spTgt spid="7"/>
+                                          <p:spTgt spid="8"/>
                                         </p:tgtEl>
                                       </p:cBhvr>
                                     </p:animEffect>
@@ -6534,7 +6569,7 @@
                                           </p:stCondLst>
                                         </p:cTn>
                                         <p:tgtEl>
-                                          <p:spTgt spid="10"/>
+                                          <p:spTgt spid="7"/>
                                         </p:tgtEl>
                                         <p:attrNameLst>
                                           <p:attrName>style.visibility</p:attrName>
@@ -6548,7 +6583,7 @@
                                       <p:cBhvr>
                                         <p:cTn id="22" dur="500"/>
                                         <p:tgtEl>
-                                          <p:spTgt spid="10"/>
+                                          <p:spTgt spid="7"/>
                                         </p:tgtEl>
                                       </p:cBhvr>
                                     </p:animEffect>
@@ -6583,7 +6618,7 @@
       </p:par>
     </p:tnLst>
     <p:bldLst>
-      <p:bldP spid="10" grpId="0" animBg="1"/>
+      <p:bldP spid="7" grpId="0" animBg="1"/>
       <p:bldP spid="11" grpId="0" animBg="1"/>
     </p:bldLst>
   </p:timing>
@@ -6623,12 +6658,16 @@
           <a:lstStyle/>
           <a:p>
             <a:r>
+              <a:rPr lang="en-US" altLang="zh-TW" dirty="0"/>
+              <a:t>4</a:t>
+            </a:r>
+            <a:r>
               <a:rPr lang="en-US" altLang="zh-TW" dirty="0" smtClean="0"/>
-              <a:t>3.</a:t>
+              <a:t>.</a:t>
             </a:r>
             <a:r>
               <a:rPr lang="zh-TW" altLang="en-US" dirty="0" smtClean="0"/>
-              <a:t>困難</a:t>
+              <a:t>困難及解決</a:t>
             </a:r>
             <a:endParaRPr lang="zh-TW" altLang="en-US" dirty="0"/>
           </a:p>
@@ -6647,35 +6686,9 @@
         <p:spPr/>
         <p:txBody>
           <a:bodyPr>
-            <a:normAutofit lnSpcReduction="10000"/>
+            <a:normAutofit fontScale="92500" lnSpcReduction="10000"/>
           </a:bodyPr>
           <a:lstStyle/>
-          <a:p>
-            <a:pPr marL="514350" lvl="1" indent="-514350">
-              <a:buFont typeface="+mj-lt"/>
-              <a:buAutoNum type="arabicPeriod"/>
-            </a:pPr>
-            <a:r>
-              <a:rPr lang="zh-TW" altLang="en-US" dirty="0" smtClean="0"/>
-              <a:t>傳遞參數不換頁</a:t>
-            </a:r>
-            <a:r>
-              <a:rPr lang="en-US" altLang="zh-TW" dirty="0"/>
-              <a:t>(</a:t>
-            </a:r>
-            <a:r>
-              <a:rPr lang="en-US" altLang="zh-TW" dirty="0" smtClean="0"/>
-              <a:t>jQuery </a:t>
-            </a:r>
-            <a:r>
-              <a:rPr lang="en-US" altLang="zh-TW" dirty="0" smtClean="0"/>
-              <a:t>AJAX</a:t>
-            </a:r>
-            <a:r>
-              <a:rPr lang="en-US" altLang="zh-TW" dirty="0" smtClean="0"/>
-              <a:t>)</a:t>
-            </a:r>
-          </a:p>
           <a:p>
             <a:pPr marL="514350" indent="-514350">
               <a:buFont typeface="+mj-lt"/>
@@ -6683,6 +6696,24 @@
             </a:pPr>
             <a:r>
               <a:rPr lang="zh-TW" altLang="en-US" dirty="0" smtClean="0"/>
+              <a:t>傳遞</a:t>
+            </a:r>
+            <a:r>
+              <a:rPr lang="zh-TW" altLang="en-US" dirty="0"/>
+              <a:t>參數不換頁</a:t>
+            </a:r>
+            <a:r>
+              <a:rPr lang="en-US" altLang="zh-TW" dirty="0"/>
+              <a:t>(jQuery AJAX)</a:t>
+            </a:r>
+          </a:p>
+          <a:p>
+            <a:pPr marL="514350" indent="-514350">
+              <a:buFont typeface="+mj-lt"/>
+              <a:buAutoNum type="arabicPeriod"/>
+            </a:pPr>
+            <a:r>
+              <a:rPr lang="zh-TW" altLang="en-US" dirty="0" smtClean="0"/>
               <a:t>參數</a:t>
             </a:r>
             <a:r>
@@ -6838,8 +6869,19 @@
             </a:r>
             <a:r>
               <a:rPr lang="zh-TW" altLang="en-US" dirty="0" smtClean="0"/>
-              <a:t>並繪製</a:t>
-            </a:r>
+              <a:t>並</a:t>
+            </a:r>
+            <a:r>
+              <a:rPr lang="zh-TW" altLang="en-US" dirty="0" smtClean="0"/>
+              <a:t>繪製</a:t>
+            </a:r>
+            <a:endParaRPr lang="en-US" altLang="zh-TW" dirty="0" smtClean="0"/>
+          </a:p>
+          <a:p>
+            <a:pPr marL="514350" indent="-514350">
+              <a:buFont typeface="+mj-lt"/>
+              <a:buAutoNum type="arabicPeriod"/>
+            </a:pPr>
             <a:endParaRPr lang="en-US" altLang="zh-TW" dirty="0" smtClean="0"/>
           </a:p>
           <a:p>
@@ -6854,7 +6896,7 @@
     </p:spTree>
     <p:extLst>
       <p:ext uri="{BB962C8B-B14F-4D97-AF65-F5344CB8AC3E}">
-        <p14:creationId xmlns:p14="http://schemas.microsoft.com/office/powerpoint/2010/main" val="98041031"/>
+        <p14:creationId xmlns:p14="http://schemas.microsoft.com/office/powerpoint/2010/main" val="3716604795"/>
       </p:ext>
     </p:extLst>
   </p:cSld>
@@ -6930,18 +6972,24 @@
               <a:buNone/>
             </a:pPr>
             <a:r>
-              <a:rPr lang="en-US" altLang="zh-TW">
+              <a:rPr lang="en-US" altLang="zh-TW" dirty="0">
                 <a:hlinkClick r:id="rId2"/>
               </a:rPr>
-              <a:t>http://127.0.0.1/bsk</a:t>
-            </a:r>
-            <a:r>
-              <a:rPr lang="en-US" altLang="zh-TW" smtClean="0">
+              <a:t>http://</a:t>
+            </a:r>
+            <a:r>
+              <a:rPr lang="en-US" altLang="zh-TW" dirty="0" smtClean="0">
+                <a:hlinkClick r:id="rId2"/>
+              </a:rPr>
+              <a:t>127.0.0.1/MESA07/11/bsk</a:t>
+            </a:r>
+            <a:r>
+              <a:rPr lang="en-US" altLang="zh-TW" dirty="0" smtClean="0">
                 <a:hlinkClick r:id="rId2"/>
               </a:rPr>
               <a:t>/</a:t>
             </a:r>
-            <a:endParaRPr lang="en-US" altLang="zh-TW" smtClean="0"/>
+            <a:endParaRPr lang="en-US" altLang="zh-TW" dirty="0" smtClean="0"/>
           </a:p>
           <a:p>
             <a:pPr marL="0" indent="0">
